--- a/Images/Figures_PPT/TorPie.pptx
+++ b/Images/Figures_PPT/TorPie.pptx
@@ -2298,456 +2298,465 @@
           </p:nvSpPr>
           <p:spPr>
             <a:xfrm>
-              <a:off x="5486400" y="1749568"/>
-              <a:ext cx="2473490" cy="4937689"/>
+              <a:off x="5400072" y="1749568"/>
+              <a:ext cx="2559941" cy="4947227"/>
             </a:xfrm>
             <a:custGeom>
               <a:avLst/>
               <a:pathLst>
-                <a:path w="2473490" h="4937689">
+                <a:path w="2559941" h="4947227">
                   <a:moveTo>
-                    <a:pt x="0" y="2473613"/>
+                    <a:pt x="86327" y="2473613"/>
                   </a:moveTo>
                   <a:lnTo>
-                    <a:pt x="7483" y="2558582"/>
-                  </a:lnTo>
-                  <a:lnTo>
-                    <a:pt x="14966" y="2643550"/>
-                  </a:lnTo>
-                  <a:lnTo>
-                    <a:pt x="22450" y="2728518"/>
-                  </a:lnTo>
-                  <a:lnTo>
-                    <a:pt x="29933" y="2813486"/>
-                  </a:lnTo>
-                  <a:lnTo>
-                    <a:pt x="37417" y="2898454"/>
-                  </a:lnTo>
-                  <a:lnTo>
-                    <a:pt x="44900" y="2983422"/>
-                  </a:lnTo>
-                  <a:lnTo>
-                    <a:pt x="52384" y="3068390"/>
-                  </a:lnTo>
-                  <a:lnTo>
-                    <a:pt x="59867" y="3153358"/>
-                  </a:lnTo>
-                  <a:lnTo>
-                    <a:pt x="67351" y="3238326"/>
-                  </a:lnTo>
-                  <a:lnTo>
-                    <a:pt x="74834" y="3323295"/>
-                  </a:lnTo>
-                  <a:lnTo>
-                    <a:pt x="82318" y="3408263"/>
-                  </a:lnTo>
-                  <a:lnTo>
-                    <a:pt x="89801" y="3493231"/>
-                  </a:lnTo>
-                  <a:lnTo>
-                    <a:pt x="97285" y="3578199"/>
-                  </a:lnTo>
-                  <a:lnTo>
-                    <a:pt x="104768" y="3663167"/>
-                  </a:lnTo>
-                  <a:lnTo>
-                    <a:pt x="112252" y="3748135"/>
-                  </a:lnTo>
-                  <a:lnTo>
-                    <a:pt x="119735" y="3833103"/>
-                  </a:lnTo>
-                  <a:lnTo>
-                    <a:pt x="127219" y="3918071"/>
-                  </a:lnTo>
-                  <a:lnTo>
-                    <a:pt x="134702" y="4003040"/>
-                  </a:lnTo>
-                  <a:lnTo>
-                    <a:pt x="142186" y="4088008"/>
-                  </a:lnTo>
-                  <a:lnTo>
-                    <a:pt x="149669" y="4172976"/>
-                  </a:lnTo>
-                  <a:lnTo>
-                    <a:pt x="157153" y="4257944"/>
-                  </a:lnTo>
-                  <a:lnTo>
-                    <a:pt x="164636" y="4342912"/>
-                  </a:lnTo>
-                  <a:lnTo>
-                    <a:pt x="172120" y="4427880"/>
-                  </a:lnTo>
-                  <a:lnTo>
-                    <a:pt x="179603" y="4512848"/>
-                  </a:lnTo>
-                  <a:lnTo>
-                    <a:pt x="187087" y="4597816"/>
-                  </a:lnTo>
-                  <a:lnTo>
-                    <a:pt x="194570" y="4682784"/>
-                  </a:lnTo>
-                  <a:lnTo>
-                    <a:pt x="202054" y="4767753"/>
-                  </a:lnTo>
-                  <a:lnTo>
-                    <a:pt x="209537" y="4852721"/>
-                  </a:lnTo>
-                  <a:lnTo>
-                    <a:pt x="217021" y="4937689"/>
-                  </a:lnTo>
-                  <a:lnTo>
-                    <a:pt x="300487" y="4928908"/>
-                  </a:lnTo>
-                  <a:lnTo>
-                    <a:pt x="383608" y="4917301"/>
-                  </a:lnTo>
-                  <a:lnTo>
-                    <a:pt x="466286" y="4902881"/>
-                  </a:lnTo>
-                  <a:lnTo>
-                    <a:pt x="548429" y="4885665"/>
-                  </a:lnTo>
-                  <a:lnTo>
-                    <a:pt x="629939" y="4865671"/>
-                  </a:lnTo>
-                  <a:lnTo>
-                    <a:pt x="710725" y="4842925"/>
-                  </a:lnTo>
-                  <a:lnTo>
-                    <a:pt x="790692" y="4817450"/>
-                  </a:lnTo>
-                  <a:lnTo>
-                    <a:pt x="869749" y="4789278"/>
-                  </a:lnTo>
-                  <a:lnTo>
-                    <a:pt x="947805" y="4758439"/>
-                  </a:lnTo>
-                  <a:lnTo>
-                    <a:pt x="1024770" y="4724971"/>
-                  </a:lnTo>
-                  <a:lnTo>
-                    <a:pt x="1100556" y="4688911"/>
-                  </a:lnTo>
-                  <a:lnTo>
-                    <a:pt x="1175074" y="4650300"/>
-                  </a:lnTo>
-                  <a:lnTo>
-                    <a:pt x="1248239" y="4609184"/>
-                  </a:lnTo>
-                  <a:lnTo>
-                    <a:pt x="1319968" y="4565610"/>
-                  </a:lnTo>
-                  <a:lnTo>
-                    <a:pt x="1390177" y="4519627"/>
-                  </a:lnTo>
-                  <a:lnTo>
-                    <a:pt x="1458786" y="4471289"/>
-                  </a:lnTo>
-                  <a:lnTo>
-                    <a:pt x="1525715" y="4420651"/>
-                  </a:lnTo>
-                  <a:lnTo>
-                    <a:pt x="1590888" y="4367772"/>
-                  </a:lnTo>
-                  <a:lnTo>
-                    <a:pt x="1654230" y="4312713"/>
-                  </a:lnTo>
-                  <a:lnTo>
-                    <a:pt x="1715668" y="4255536"/>
-                  </a:lnTo>
-                  <a:lnTo>
-                    <a:pt x="1775130" y="4196308"/>
-                  </a:lnTo>
-                  <a:lnTo>
-                    <a:pt x="1832549" y="4135097"/>
-                  </a:lnTo>
-                  <a:lnTo>
-                    <a:pt x="1887858" y="4071973"/>
-                  </a:lnTo>
-                  <a:lnTo>
-                    <a:pt x="1940995" y="4007010"/>
-                  </a:lnTo>
-                  <a:lnTo>
-                    <a:pt x="1991896" y="3940281"/>
-                  </a:lnTo>
-                  <a:lnTo>
-                    <a:pt x="2040505" y="3871864"/>
-                  </a:lnTo>
-                  <a:lnTo>
-                    <a:pt x="2086765" y="3801837"/>
-                  </a:lnTo>
-                  <a:lnTo>
-                    <a:pt x="2130622" y="3730281"/>
-                  </a:lnTo>
-                  <a:lnTo>
-                    <a:pt x="2172027" y="3657278"/>
-                  </a:lnTo>
-                  <a:lnTo>
-                    <a:pt x="2210931" y="3582913"/>
-                  </a:lnTo>
-                  <a:lnTo>
-                    <a:pt x="2247291" y="3507271"/>
-                  </a:lnTo>
-                  <a:lnTo>
-                    <a:pt x="2281063" y="3430439"/>
-                  </a:lnTo>
-                  <a:lnTo>
-                    <a:pt x="2312209" y="3352505"/>
-                  </a:lnTo>
-                  <a:lnTo>
-                    <a:pt x="2340694" y="3273560"/>
-                  </a:lnTo>
-                  <a:lnTo>
-                    <a:pt x="2366484" y="3193694"/>
-                  </a:lnTo>
-                  <a:lnTo>
-                    <a:pt x="2389550" y="3112999"/>
-                  </a:lnTo>
-                  <a:lnTo>
-                    <a:pt x="2409865" y="3031568"/>
-                  </a:lnTo>
-                  <a:lnTo>
-                    <a:pt x="2427406" y="2949494"/>
-                  </a:lnTo>
-                  <a:lnTo>
-                    <a:pt x="2442153" y="2866873"/>
-                  </a:lnTo>
-                  <a:lnTo>
-                    <a:pt x="2454088" y="2783799"/>
-                  </a:lnTo>
-                  <a:lnTo>
-                    <a:pt x="2463198" y="2700368"/>
-                  </a:lnTo>
-                  <a:lnTo>
-                    <a:pt x="2469473" y="2616676"/>
-                  </a:lnTo>
-                  <a:lnTo>
-                    <a:pt x="2472905" y="2532819"/>
-                  </a:lnTo>
-                  <a:lnTo>
-                    <a:pt x="2473490" y="2448894"/>
-                  </a:lnTo>
-                  <a:lnTo>
-                    <a:pt x="2471228" y="2364998"/>
-                  </a:lnTo>
-                  <a:lnTo>
-                    <a:pt x="2466121" y="2281227"/>
-                  </a:lnTo>
-                  <a:lnTo>
-                    <a:pt x="2458175" y="2197677"/>
-                  </a:lnTo>
-                  <a:lnTo>
-                    <a:pt x="2447399" y="2114444"/>
-                  </a:lnTo>
-                  <a:lnTo>
-                    <a:pt x="2433806" y="2031626"/>
-                  </a:lnTo>
-                  <a:lnTo>
-                    <a:pt x="2417411" y="1949316"/>
-                  </a:lnTo>
-                  <a:lnTo>
-                    <a:pt x="2398233" y="1867609"/>
-                  </a:lnTo>
-                  <a:lnTo>
-                    <a:pt x="2376295" y="1786600"/>
-                  </a:lnTo>
-                  <a:lnTo>
-                    <a:pt x="2351621" y="1706382"/>
-                  </a:lnTo>
-                  <a:lnTo>
-                    <a:pt x="2324240" y="1627047"/>
-                  </a:lnTo>
-                  <a:lnTo>
-                    <a:pt x="2294183" y="1548687"/>
-                  </a:lnTo>
-                  <a:lnTo>
-                    <a:pt x="2261485" y="1471392"/>
-                  </a:lnTo>
-                  <a:lnTo>
-                    <a:pt x="2226184" y="1395250"/>
-                  </a:lnTo>
-                  <a:lnTo>
-                    <a:pt x="2188320" y="1320350"/>
-                  </a:lnTo>
-                  <a:lnTo>
-                    <a:pt x="2147938" y="1246777"/>
-                  </a:lnTo>
-                  <a:lnTo>
-                    <a:pt x="2105082" y="1174616"/>
-                  </a:lnTo>
-                  <a:lnTo>
-                    <a:pt x="2059803" y="1103951"/>
-                  </a:lnTo>
-                  <a:lnTo>
-                    <a:pt x="2012153" y="1034863"/>
-                  </a:lnTo>
-                  <a:lnTo>
-                    <a:pt x="1962187" y="967431"/>
-                  </a:lnTo>
-                  <a:lnTo>
-                    <a:pt x="1909962" y="901732"/>
-                  </a:lnTo>
-                  <a:lnTo>
-                    <a:pt x="1855538" y="837844"/>
-                  </a:lnTo>
-                  <a:lnTo>
-                    <a:pt x="1798978" y="775838"/>
-                  </a:lnTo>
-                  <a:lnTo>
-                    <a:pt x="1740347" y="715786"/>
-                  </a:lnTo>
-                  <a:lnTo>
-                    <a:pt x="1679713" y="657759"/>
-                  </a:lnTo>
-                  <a:lnTo>
-                    <a:pt x="1617145" y="601821"/>
-                  </a:lnTo>
-                  <a:lnTo>
-                    <a:pt x="1552716" y="548039"/>
-                  </a:lnTo>
-                  <a:lnTo>
-                    <a:pt x="1486499" y="496473"/>
-                  </a:lnTo>
-                  <a:lnTo>
-                    <a:pt x="1418571" y="447183"/>
-                  </a:lnTo>
-                  <a:lnTo>
-                    <a:pt x="1349010" y="400225"/>
-                  </a:lnTo>
-                  <a:lnTo>
-                    <a:pt x="1277896" y="355655"/>
-                  </a:lnTo>
-                  <a:lnTo>
-                    <a:pt x="1205310" y="313523"/>
-                  </a:lnTo>
-                  <a:lnTo>
-                    <a:pt x="1131338" y="273877"/>
-                  </a:lnTo>
-                  <a:lnTo>
-                    <a:pt x="1056063" y="236764"/>
-                  </a:lnTo>
-                  <a:lnTo>
-                    <a:pt x="979572" y="202225"/>
-                  </a:lnTo>
-                  <a:lnTo>
-                    <a:pt x="901954" y="170302"/>
-                  </a:lnTo>
-                  <a:lnTo>
-                    <a:pt x="823297" y="141030"/>
-                  </a:lnTo>
-                  <a:lnTo>
-                    <a:pt x="743692" y="114443"/>
-                  </a:lnTo>
-                  <a:lnTo>
-                    <a:pt x="663232" y="90572"/>
-                  </a:lnTo>
-                  <a:lnTo>
-                    <a:pt x="582008" y="69444"/>
-                  </a:lnTo>
-                  <a:lnTo>
-                    <a:pt x="500114" y="51083"/>
-                  </a:lnTo>
-                  <a:lnTo>
-                    <a:pt x="417644" y="35512"/>
-                  </a:lnTo>
-                  <a:lnTo>
-                    <a:pt x="334694" y="22747"/>
-                  </a:lnTo>
-                  <a:lnTo>
-                    <a:pt x="251358" y="12804"/>
-                  </a:lnTo>
-                  <a:lnTo>
-                    <a:pt x="167733" y="5693"/>
-                  </a:lnTo>
-                  <a:lnTo>
-                    <a:pt x="83914" y="1423"/>
-                  </a:lnTo>
-                  <a:lnTo>
-                    <a:pt x="0" y="0"/>
-                  </a:lnTo>
-                  <a:lnTo>
-                    <a:pt x="0" y="85297"/>
-                  </a:lnTo>
-                  <a:lnTo>
-                    <a:pt x="0" y="170594"/>
-                  </a:lnTo>
-                  <a:lnTo>
-                    <a:pt x="0" y="255891"/>
-                  </a:lnTo>
-                  <a:lnTo>
-                    <a:pt x="0" y="341188"/>
-                  </a:lnTo>
-                  <a:lnTo>
-                    <a:pt x="0" y="426485"/>
-                  </a:lnTo>
-                  <a:lnTo>
-                    <a:pt x="0" y="511782"/>
-                  </a:lnTo>
-                  <a:lnTo>
-                    <a:pt x="0" y="597079"/>
-                  </a:lnTo>
-                  <a:lnTo>
-                    <a:pt x="0" y="682376"/>
-                  </a:lnTo>
-                  <a:lnTo>
-                    <a:pt x="0" y="767673"/>
-                  </a:lnTo>
-                  <a:lnTo>
-                    <a:pt x="0" y="852970"/>
-                  </a:lnTo>
-                  <a:lnTo>
-                    <a:pt x="0" y="938267"/>
-                  </a:lnTo>
-                  <a:lnTo>
-                    <a:pt x="0" y="1023564"/>
-                  </a:lnTo>
-                  <a:lnTo>
-                    <a:pt x="0" y="1108861"/>
-                  </a:lnTo>
-                  <a:lnTo>
-                    <a:pt x="0" y="1194158"/>
-                  </a:lnTo>
-                  <a:lnTo>
-                    <a:pt x="0" y="1279455"/>
-                  </a:lnTo>
-                  <a:lnTo>
-                    <a:pt x="0" y="1364752"/>
-                  </a:lnTo>
-                  <a:lnTo>
-                    <a:pt x="0" y="1450049"/>
-                  </a:lnTo>
-                  <a:lnTo>
-                    <a:pt x="0" y="1535346"/>
-                  </a:lnTo>
-                  <a:lnTo>
-                    <a:pt x="0" y="1620643"/>
-                  </a:lnTo>
-                  <a:lnTo>
-                    <a:pt x="0" y="1705940"/>
-                  </a:lnTo>
-                  <a:lnTo>
-                    <a:pt x="0" y="1791237"/>
-                  </a:lnTo>
-                  <a:lnTo>
-                    <a:pt x="0" y="1876534"/>
-                  </a:lnTo>
-                  <a:lnTo>
-                    <a:pt x="0" y="1961831"/>
-                  </a:lnTo>
-                  <a:lnTo>
-                    <a:pt x="0" y="2047128"/>
-                  </a:lnTo>
-                  <a:lnTo>
-                    <a:pt x="0" y="2132425"/>
-                  </a:lnTo>
-                  <a:lnTo>
-                    <a:pt x="0" y="2217722"/>
-                  </a:lnTo>
-                  <a:lnTo>
-                    <a:pt x="0" y="2303019"/>
-                  </a:lnTo>
-                  <a:lnTo>
-                    <a:pt x="0" y="2388316"/>
+                    <a:pt x="83351" y="2558859"/>
+                  </a:lnTo>
+                  <a:lnTo>
+                    <a:pt x="80374" y="2644104"/>
+                  </a:lnTo>
+                  <a:lnTo>
+                    <a:pt x="77397" y="2729349"/>
+                  </a:lnTo>
+                  <a:lnTo>
+                    <a:pt x="74420" y="2814594"/>
+                  </a:lnTo>
+                  <a:lnTo>
+                    <a:pt x="71443" y="2899839"/>
+                  </a:lnTo>
+                  <a:lnTo>
+                    <a:pt x="68466" y="2985084"/>
+                  </a:lnTo>
+                  <a:lnTo>
+                    <a:pt x="65490" y="3070329"/>
+                  </a:lnTo>
+                  <a:lnTo>
+                    <a:pt x="62513" y="3155574"/>
+                  </a:lnTo>
+                  <a:lnTo>
+                    <a:pt x="59536" y="3240819"/>
+                  </a:lnTo>
+                  <a:lnTo>
+                    <a:pt x="56559" y="3326064"/>
+                  </a:lnTo>
+                  <a:lnTo>
+                    <a:pt x="53582" y="3411309"/>
+                  </a:lnTo>
+                  <a:lnTo>
+                    <a:pt x="50605" y="3496554"/>
+                  </a:lnTo>
+                  <a:lnTo>
+                    <a:pt x="47629" y="3581799"/>
+                  </a:lnTo>
+                  <a:lnTo>
+                    <a:pt x="44652" y="3667044"/>
+                  </a:lnTo>
+                  <a:lnTo>
+                    <a:pt x="41675" y="3752290"/>
+                  </a:lnTo>
+                  <a:lnTo>
+                    <a:pt x="38698" y="3837535"/>
+                  </a:lnTo>
+                  <a:lnTo>
+                    <a:pt x="35721" y="3922780"/>
+                  </a:lnTo>
+                  <a:lnTo>
+                    <a:pt x="32745" y="4008025"/>
+                  </a:lnTo>
+                  <a:lnTo>
+                    <a:pt x="29768" y="4093270"/>
+                  </a:lnTo>
+                  <a:lnTo>
+                    <a:pt x="26791" y="4178515"/>
+                  </a:lnTo>
+                  <a:lnTo>
+                    <a:pt x="23814" y="4263760"/>
+                  </a:lnTo>
+                  <a:lnTo>
+                    <a:pt x="20837" y="4349005"/>
+                  </a:lnTo>
+                  <a:lnTo>
+                    <a:pt x="17860" y="4434250"/>
+                  </a:lnTo>
+                  <a:lnTo>
+                    <a:pt x="14884" y="4519495"/>
+                  </a:lnTo>
+                  <a:lnTo>
+                    <a:pt x="11907" y="4604740"/>
+                  </a:lnTo>
+                  <a:lnTo>
+                    <a:pt x="8930" y="4689985"/>
+                  </a:lnTo>
+                  <a:lnTo>
+                    <a:pt x="5953" y="4775230"/>
+                  </a:lnTo>
+                  <a:lnTo>
+                    <a:pt x="2976" y="4860475"/>
+                  </a:lnTo>
+                  <a:lnTo>
+                    <a:pt x="0" y="4945721"/>
+                  </a:lnTo>
+                  <a:lnTo>
+                    <a:pt x="84470" y="4947227"/>
+                  </a:lnTo>
+                  <a:lnTo>
+                    <a:pt x="168944" y="4945847"/>
+                  </a:lnTo>
+                  <a:lnTo>
+                    <a:pt x="253320" y="4941584"/>
+                  </a:lnTo>
+                  <a:lnTo>
+                    <a:pt x="337502" y="4934442"/>
+                  </a:lnTo>
+                  <a:lnTo>
+                    <a:pt x="421391" y="4924429"/>
+                  </a:lnTo>
+                  <a:lnTo>
+                    <a:pt x="504890" y="4911558"/>
+                  </a:lnTo>
+                  <a:lnTo>
+                    <a:pt x="587899" y="4895842"/>
+                  </a:lnTo>
+                  <a:lnTo>
+                    <a:pt x="670324" y="4877301"/>
+                  </a:lnTo>
+                  <a:lnTo>
+                    <a:pt x="752068" y="4855956"/>
+                  </a:lnTo>
+                  <a:lnTo>
+                    <a:pt x="833035" y="4831832"/>
+                  </a:lnTo>
+                  <a:lnTo>
+                    <a:pt x="913131" y="4804957"/>
+                  </a:lnTo>
+                  <a:lnTo>
+                    <a:pt x="992262" y="4775362"/>
+                  </a:lnTo>
+                  <a:lnTo>
+                    <a:pt x="1070337" y="4743083"/>
+                  </a:lnTo>
+                  <a:lnTo>
+                    <a:pt x="1147263" y="4708156"/>
+                  </a:lnTo>
+                  <a:lnTo>
+                    <a:pt x="1222953" y="4670623"/>
+                  </a:lnTo>
+                  <a:lnTo>
+                    <a:pt x="1297316" y="4630526"/>
+                  </a:lnTo>
+                  <a:lnTo>
+                    <a:pt x="1370267" y="4587914"/>
+                  </a:lnTo>
+                  <a:lnTo>
+                    <a:pt x="1441720" y="4542835"/>
+                  </a:lnTo>
+                  <a:lnTo>
+                    <a:pt x="1511591" y="4495342"/>
+                  </a:lnTo>
+                  <a:lnTo>
+                    <a:pt x="1579801" y="4445492"/>
+                  </a:lnTo>
+                  <a:lnTo>
+                    <a:pt x="1646268" y="4393340"/>
+                  </a:lnTo>
+                  <a:lnTo>
+                    <a:pt x="1710915" y="4338950"/>
+                  </a:lnTo>
+                  <a:lnTo>
+                    <a:pt x="1773668" y="4282384"/>
+                  </a:lnTo>
+                  <a:lnTo>
+                    <a:pt x="1834452" y="4223707"/>
+                  </a:lnTo>
+                  <a:lnTo>
+                    <a:pt x="1893196" y="4162989"/>
+                  </a:lnTo>
+                  <a:lnTo>
+                    <a:pt x="1949833" y="4100301"/>
+                  </a:lnTo>
+                  <a:lnTo>
+                    <a:pt x="2004297" y="4035714"/>
+                  </a:lnTo>
+                  <a:lnTo>
+                    <a:pt x="2056523" y="3969306"/>
+                  </a:lnTo>
+                  <a:lnTo>
+                    <a:pt x="2106450" y="3901153"/>
+                  </a:lnTo>
+                  <a:lnTo>
+                    <a:pt x="2154021" y="3831335"/>
+                  </a:lnTo>
+                  <a:lnTo>
+                    <a:pt x="2199181" y="3759933"/>
+                  </a:lnTo>
+                  <a:lnTo>
+                    <a:pt x="2241875" y="3687030"/>
+                  </a:lnTo>
+                  <a:lnTo>
+                    <a:pt x="2282055" y="3612712"/>
+                  </a:lnTo>
+                  <a:lnTo>
+                    <a:pt x="2319674" y="3537065"/>
+                  </a:lnTo>
+                  <a:lnTo>
+                    <a:pt x="2354687" y="3460178"/>
+                  </a:lnTo>
+                  <a:lnTo>
+                    <a:pt x="2387055" y="3382139"/>
+                  </a:lnTo>
+                  <a:lnTo>
+                    <a:pt x="2416738" y="3303041"/>
+                  </a:lnTo>
+                  <a:lnTo>
+                    <a:pt x="2443703" y="3222976"/>
+                  </a:lnTo>
+                  <a:lnTo>
+                    <a:pt x="2467919" y="3142036"/>
+                  </a:lnTo>
+                  <a:lnTo>
+                    <a:pt x="2489356" y="3060316"/>
+                  </a:lnTo>
+                  <a:lnTo>
+                    <a:pt x="2507990" y="2977913"/>
+                  </a:lnTo>
+                  <a:lnTo>
+                    <a:pt x="2523799" y="2894920"/>
+                  </a:lnTo>
+                  <a:lnTo>
+                    <a:pt x="2536764" y="2811437"/>
+                  </a:lnTo>
+                  <a:lnTo>
+                    <a:pt x="2546872" y="2727559"/>
+                  </a:lnTo>
+                  <a:lnTo>
+                    <a:pt x="2554108" y="2643385"/>
+                  </a:lnTo>
+                  <a:lnTo>
+                    <a:pt x="2558467" y="2559013"/>
+                  </a:lnTo>
+                  <a:lnTo>
+                    <a:pt x="2559941" y="2474542"/>
+                  </a:lnTo>
+                  <a:lnTo>
+                    <a:pt x="2558530" y="2390069"/>
+                  </a:lnTo>
+                  <a:lnTo>
+                    <a:pt x="2554235" y="2305694"/>
+                  </a:lnTo>
+                  <a:lnTo>
+                    <a:pt x="2547061" y="2221515"/>
+                  </a:lnTo>
+                  <a:lnTo>
+                    <a:pt x="2537017" y="2137630"/>
+                  </a:lnTo>
+                  <a:lnTo>
+                    <a:pt x="2524114" y="2054136"/>
+                  </a:lnTo>
+                  <a:lnTo>
+                    <a:pt x="2508368" y="1971132"/>
+                  </a:lnTo>
+                  <a:lnTo>
+                    <a:pt x="2489796" y="1888714"/>
+                  </a:lnTo>
+                  <a:lnTo>
+                    <a:pt x="2468420" y="1806979"/>
+                  </a:lnTo>
+                  <a:lnTo>
+                    <a:pt x="2444265" y="1726021"/>
+                  </a:lnTo>
+                  <a:lnTo>
+                    <a:pt x="2417360" y="1645935"/>
+                  </a:lnTo>
+                  <a:lnTo>
+                    <a:pt x="2387736" y="1566815"/>
+                  </a:lnTo>
+                  <a:lnTo>
+                    <a:pt x="2355427" y="1488752"/>
+                  </a:lnTo>
+                  <a:lnTo>
+                    <a:pt x="2320472" y="1411839"/>
+                  </a:lnTo>
+                  <a:lnTo>
+                    <a:pt x="2282910" y="1336164"/>
+                  </a:lnTo>
+                  <a:lnTo>
+                    <a:pt x="2242785" y="1261815"/>
+                  </a:lnTo>
+                  <a:lnTo>
+                    <a:pt x="2200146" y="1188881"/>
+                  </a:lnTo>
+                  <a:lnTo>
+                    <a:pt x="2155040" y="1117445"/>
+                  </a:lnTo>
+                  <a:lnTo>
+                    <a:pt x="2107521" y="1047591"/>
+                  </a:lnTo>
+                  <a:lnTo>
+                    <a:pt x="2057645" y="979400"/>
+                  </a:lnTo>
+                  <a:lnTo>
+                    <a:pt x="2005469" y="912953"/>
+                  </a:lnTo>
+                  <a:lnTo>
+                    <a:pt x="1951054" y="848326"/>
+                  </a:lnTo>
+                  <a:lnTo>
+                    <a:pt x="1894464" y="785595"/>
+                  </a:lnTo>
+                  <a:lnTo>
+                    <a:pt x="1835765" y="724833"/>
+                  </a:lnTo>
+                  <a:lnTo>
+                    <a:pt x="1775025" y="666111"/>
+                  </a:lnTo>
+                  <a:lnTo>
+                    <a:pt x="1712315" y="609497"/>
+                  </a:lnTo>
+                  <a:lnTo>
+                    <a:pt x="1647708" y="555058"/>
+                  </a:lnTo>
+                  <a:lnTo>
+                    <a:pt x="1581280" y="502857"/>
+                  </a:lnTo>
+                  <a:lnTo>
+                    <a:pt x="1513109" y="452955"/>
+                  </a:lnTo>
+                  <a:lnTo>
+                    <a:pt x="1443272" y="405410"/>
+                  </a:lnTo>
+                  <a:lnTo>
+                    <a:pt x="1371853" y="360278"/>
+                  </a:lnTo>
+                  <a:lnTo>
+                    <a:pt x="1298935" y="317610"/>
+                  </a:lnTo>
+                  <a:lnTo>
+                    <a:pt x="1224602" y="277458"/>
+                  </a:lnTo>
+                  <a:lnTo>
+                    <a:pt x="1148941" y="239868"/>
+                  </a:lnTo>
+                  <a:lnTo>
+                    <a:pt x="1072040" y="204883"/>
+                  </a:lnTo>
+                  <a:lnTo>
+                    <a:pt x="993990" y="172545"/>
+                  </a:lnTo>
+                  <a:lnTo>
+                    <a:pt x="914880" y="142891"/>
+                  </a:lnTo>
+                  <a:lnTo>
+                    <a:pt x="834805" y="115956"/>
+                  </a:lnTo>
+                  <a:lnTo>
+                    <a:pt x="753856" y="91771"/>
+                  </a:lnTo>
+                  <a:lnTo>
+                    <a:pt x="672128" y="70365"/>
+                  </a:lnTo>
+                  <a:lnTo>
+                    <a:pt x="589718" y="51762"/>
+                  </a:lnTo>
+                  <a:lnTo>
+                    <a:pt x="506720" y="35984"/>
+                  </a:lnTo>
+                  <a:lnTo>
+                    <a:pt x="423231" y="23050"/>
+                  </a:lnTo>
+                  <a:lnTo>
+                    <a:pt x="339350" y="12974"/>
+                  </a:lnTo>
+                  <a:lnTo>
+                    <a:pt x="255173" y="5769"/>
+                  </a:lnTo>
+                  <a:lnTo>
+                    <a:pt x="170799" y="1442"/>
+                  </a:lnTo>
+                  <a:lnTo>
+                    <a:pt x="86327" y="0"/>
+                  </a:lnTo>
+                  <a:lnTo>
+                    <a:pt x="86327" y="85297"/>
+                  </a:lnTo>
+                  <a:lnTo>
+                    <a:pt x="86327" y="170594"/>
+                  </a:lnTo>
+                  <a:lnTo>
+                    <a:pt x="86327" y="255891"/>
+                  </a:lnTo>
+                  <a:lnTo>
+                    <a:pt x="86327" y="341188"/>
+                  </a:lnTo>
+                  <a:lnTo>
+                    <a:pt x="86327" y="426485"/>
+                  </a:lnTo>
+                  <a:lnTo>
+                    <a:pt x="86327" y="511782"/>
+                  </a:lnTo>
+                  <a:lnTo>
+                    <a:pt x="86327" y="597079"/>
+                  </a:lnTo>
+                  <a:lnTo>
+                    <a:pt x="86327" y="682376"/>
+                  </a:lnTo>
+                  <a:lnTo>
+                    <a:pt x="86327" y="767673"/>
+                  </a:lnTo>
+                  <a:lnTo>
+                    <a:pt x="86327" y="852970"/>
+                  </a:lnTo>
+                  <a:lnTo>
+                    <a:pt x="86327" y="938267"/>
+                  </a:lnTo>
+                  <a:lnTo>
+                    <a:pt x="86327" y="1023564"/>
+                  </a:lnTo>
+                  <a:lnTo>
+                    <a:pt x="86327" y="1108861"/>
+                  </a:lnTo>
+                  <a:lnTo>
+                    <a:pt x="86327" y="1194158"/>
+                  </a:lnTo>
+                  <a:lnTo>
+                    <a:pt x="86327" y="1279455"/>
+                  </a:lnTo>
+                  <a:lnTo>
+                    <a:pt x="86327" y="1364752"/>
+                  </a:lnTo>
+                  <a:lnTo>
+                    <a:pt x="86327" y="1450049"/>
+                  </a:lnTo>
+                  <a:lnTo>
+                    <a:pt x="86327" y="1535346"/>
+                  </a:lnTo>
+                  <a:lnTo>
+                    <a:pt x="86327" y="1620643"/>
+                  </a:lnTo>
+                  <a:lnTo>
+                    <a:pt x="86327" y="1705940"/>
+                  </a:lnTo>
+                  <a:lnTo>
+                    <a:pt x="86327" y="1791237"/>
+                  </a:lnTo>
+                  <a:lnTo>
+                    <a:pt x="86327" y="1876534"/>
+                  </a:lnTo>
+                  <a:lnTo>
+                    <a:pt x="86327" y="1961831"/>
+                  </a:lnTo>
+                  <a:lnTo>
+                    <a:pt x="86327" y="2047128"/>
+                  </a:lnTo>
+                  <a:lnTo>
+                    <a:pt x="86327" y="2132425"/>
+                  </a:lnTo>
+                  <a:lnTo>
+                    <a:pt x="86327" y="2217722"/>
+                  </a:lnTo>
+                  <a:lnTo>
+                    <a:pt x="86327" y="2303019"/>
+                  </a:lnTo>
+                  <a:lnTo>
+                    <a:pt x="86327" y="2388316"/>
                   </a:lnTo>
                   <a:close/>
                 </a:path>
@@ -2782,273 +2791,270 @@
           </p:nvSpPr>
           <p:spPr>
             <a:xfrm>
-              <a:off x="3524212" y="4223182"/>
-              <a:ext cx="2179208" cy="2473296"/>
+              <a:off x="3411852" y="4223182"/>
+              <a:ext cx="2074547" cy="2472107"/>
             </a:xfrm>
             <a:custGeom>
               <a:avLst/>
               <a:pathLst>
-                <a:path w="2179208" h="2473296">
+                <a:path w="2074547" h="2472107">
                   <a:moveTo>
-                    <a:pt x="1962187" y="0"/>
+                    <a:pt x="2074547" y="0"/>
                   </a:moveTo>
                   <a:lnTo>
-                    <a:pt x="1894525" y="51937"/>
-                  </a:lnTo>
-                  <a:lnTo>
-                    <a:pt x="1826864" y="103874"/>
-                  </a:lnTo>
-                  <a:lnTo>
-                    <a:pt x="1759202" y="155812"/>
-                  </a:lnTo>
-                  <a:lnTo>
-                    <a:pt x="1691540" y="207749"/>
-                  </a:lnTo>
-                  <a:lnTo>
-                    <a:pt x="1623879" y="259686"/>
-                  </a:lnTo>
-                  <a:lnTo>
-                    <a:pt x="1556217" y="311624"/>
-                  </a:lnTo>
-                  <a:lnTo>
-                    <a:pt x="1488555" y="363561"/>
-                  </a:lnTo>
-                  <a:lnTo>
-                    <a:pt x="1420894" y="415498"/>
-                  </a:lnTo>
-                  <a:lnTo>
-                    <a:pt x="1353232" y="467436"/>
-                  </a:lnTo>
-                  <a:lnTo>
-                    <a:pt x="1285571" y="519373"/>
-                  </a:lnTo>
-                  <a:lnTo>
-                    <a:pt x="1217909" y="571310"/>
-                  </a:lnTo>
-                  <a:lnTo>
-                    <a:pt x="1150247" y="623248"/>
-                  </a:lnTo>
-                  <a:lnTo>
-                    <a:pt x="1082586" y="675185"/>
-                  </a:lnTo>
-                  <a:lnTo>
-                    <a:pt x="1014924" y="727122"/>
-                  </a:lnTo>
-                  <a:lnTo>
-                    <a:pt x="947262" y="779060"/>
-                  </a:lnTo>
-                  <a:lnTo>
-                    <a:pt x="879601" y="830997"/>
-                  </a:lnTo>
-                  <a:lnTo>
-                    <a:pt x="811939" y="882934"/>
-                  </a:lnTo>
-                  <a:lnTo>
-                    <a:pt x="744277" y="934872"/>
-                  </a:lnTo>
-                  <a:lnTo>
-                    <a:pt x="676616" y="986809"/>
-                  </a:lnTo>
-                  <a:lnTo>
-                    <a:pt x="608954" y="1038746"/>
-                  </a:lnTo>
-                  <a:lnTo>
-                    <a:pt x="541293" y="1090684"/>
-                  </a:lnTo>
-                  <a:lnTo>
-                    <a:pt x="473631" y="1142621"/>
-                  </a:lnTo>
-                  <a:lnTo>
-                    <a:pt x="405969" y="1194558"/>
-                  </a:lnTo>
-                  <a:lnTo>
-                    <a:pt x="338308" y="1246496"/>
-                  </a:lnTo>
-                  <a:lnTo>
-                    <a:pt x="270646" y="1298433"/>
-                  </a:lnTo>
-                  <a:lnTo>
-                    <a:pt x="202984" y="1350370"/>
-                  </a:lnTo>
-                  <a:lnTo>
-                    <a:pt x="135323" y="1402308"/>
-                  </a:lnTo>
-                  <a:lnTo>
-                    <a:pt x="67661" y="1454245"/>
-                  </a:lnTo>
-                  <a:lnTo>
-                    <a:pt x="0" y="1506182"/>
-                  </a:lnTo>
-                  <a:lnTo>
-                    <a:pt x="53308" y="1573197"/>
-                  </a:lnTo>
-                  <a:lnTo>
-                    <a:pt x="108905" y="1638325"/>
-                  </a:lnTo>
-                  <a:lnTo>
-                    <a:pt x="166722" y="1701491"/>
-                  </a:lnTo>
-                  <a:lnTo>
-                    <a:pt x="226692" y="1762617"/>
-                  </a:lnTo>
-                  <a:lnTo>
-                    <a:pt x="288741" y="1821632"/>
-                  </a:lnTo>
-                  <a:lnTo>
-                    <a:pt x="352795" y="1878463"/>
-                  </a:lnTo>
-                  <a:lnTo>
-                    <a:pt x="418778" y="1933043"/>
-                  </a:lnTo>
-                  <a:lnTo>
-                    <a:pt x="486611" y="1985306"/>
-                  </a:lnTo>
-                  <a:lnTo>
-                    <a:pt x="556212" y="2035190"/>
-                  </a:lnTo>
-                  <a:lnTo>
-                    <a:pt x="627498" y="2082635"/>
-                  </a:lnTo>
-                  <a:lnTo>
-                    <a:pt x="700384" y="2127585"/>
-                  </a:lnTo>
-                  <a:lnTo>
-                    <a:pt x="774782" y="2169984"/>
-                  </a:lnTo>
-                  <a:lnTo>
-                    <a:pt x="850602" y="2209784"/>
-                  </a:lnTo>
-                  <a:lnTo>
-                    <a:pt x="927755" y="2246934"/>
-                  </a:lnTo>
-                  <a:lnTo>
-                    <a:pt x="1006148" y="2281393"/>
-                  </a:lnTo>
-                  <a:lnTo>
-                    <a:pt x="1085686" y="2313117"/>
-                  </a:lnTo>
-                  <a:lnTo>
-                    <a:pt x="1166274" y="2342069"/>
-                  </a:lnTo>
-                  <a:lnTo>
-                    <a:pt x="1247817" y="2368214"/>
-                  </a:lnTo>
-                  <a:lnTo>
-                    <a:pt x="1330215" y="2391522"/>
-                  </a:lnTo>
-                  <a:lnTo>
-                    <a:pt x="1413371" y="2411963"/>
-                  </a:lnTo>
-                  <a:lnTo>
-                    <a:pt x="1497185" y="2429514"/>
-                  </a:lnTo>
-                  <a:lnTo>
-                    <a:pt x="1581556" y="2444153"/>
-                  </a:lnTo>
-                  <a:lnTo>
-                    <a:pt x="1666383" y="2455863"/>
-                  </a:lnTo>
-                  <a:lnTo>
-                    <a:pt x="1751564" y="2464630"/>
-                  </a:lnTo>
-                  <a:lnTo>
-                    <a:pt x="1836998" y="2470444"/>
-                  </a:lnTo>
-                  <a:lnTo>
-                    <a:pt x="1922582" y="2473296"/>
-                  </a:lnTo>
-                  <a:lnTo>
-                    <a:pt x="2008213" y="2473185"/>
-                  </a:lnTo>
-                  <a:lnTo>
-                    <a:pt x="2093790" y="2470110"/>
-                  </a:lnTo>
-                  <a:lnTo>
-                    <a:pt x="2179208" y="2464075"/>
-                  </a:lnTo>
-                  <a:lnTo>
-                    <a:pt x="2171725" y="2379107"/>
-                  </a:lnTo>
-                  <a:lnTo>
-                    <a:pt x="2164241" y="2294139"/>
-                  </a:lnTo>
-                  <a:lnTo>
-                    <a:pt x="2156758" y="2209171"/>
-                  </a:lnTo>
-                  <a:lnTo>
-                    <a:pt x="2149274" y="2124202"/>
-                  </a:lnTo>
-                  <a:lnTo>
-                    <a:pt x="2141791" y="2039234"/>
-                  </a:lnTo>
-                  <a:lnTo>
-                    <a:pt x="2134307" y="1954266"/>
-                  </a:lnTo>
-                  <a:lnTo>
-                    <a:pt x="2126824" y="1869298"/>
-                  </a:lnTo>
-                  <a:lnTo>
-                    <a:pt x="2119340" y="1784330"/>
-                  </a:lnTo>
-                  <a:lnTo>
-                    <a:pt x="2111857" y="1699362"/>
-                  </a:lnTo>
-                  <a:lnTo>
-                    <a:pt x="2104373" y="1614394"/>
-                  </a:lnTo>
-                  <a:lnTo>
-                    <a:pt x="2096890" y="1529426"/>
-                  </a:lnTo>
-                  <a:lnTo>
-                    <a:pt x="2089406" y="1444457"/>
-                  </a:lnTo>
-                  <a:lnTo>
-                    <a:pt x="2081923" y="1359489"/>
-                  </a:lnTo>
-                  <a:lnTo>
-                    <a:pt x="2074439" y="1274521"/>
-                  </a:lnTo>
-                  <a:lnTo>
-                    <a:pt x="2066956" y="1189553"/>
-                  </a:lnTo>
-                  <a:lnTo>
-                    <a:pt x="2059472" y="1104585"/>
-                  </a:lnTo>
-                  <a:lnTo>
-                    <a:pt x="2051989" y="1019617"/>
-                  </a:lnTo>
-                  <a:lnTo>
-                    <a:pt x="2044505" y="934649"/>
-                  </a:lnTo>
-                  <a:lnTo>
-                    <a:pt x="2037022" y="849681"/>
-                  </a:lnTo>
-                  <a:lnTo>
-                    <a:pt x="2029538" y="764713"/>
-                  </a:lnTo>
-                  <a:lnTo>
-                    <a:pt x="2022055" y="679744"/>
-                  </a:lnTo>
-                  <a:lnTo>
-                    <a:pt x="2014571" y="594776"/>
-                  </a:lnTo>
-                  <a:lnTo>
-                    <a:pt x="2007088" y="509808"/>
-                  </a:lnTo>
-                  <a:lnTo>
-                    <a:pt x="1999604" y="424840"/>
-                  </a:lnTo>
-                  <a:lnTo>
-                    <a:pt x="1992121" y="339872"/>
-                  </a:lnTo>
-                  <a:lnTo>
-                    <a:pt x="1984637" y="254904"/>
-                  </a:lnTo>
-                  <a:lnTo>
-                    <a:pt x="1977154" y="169936"/>
-                  </a:lnTo>
-                  <a:lnTo>
-                    <a:pt x="1969670" y="84968"/>
+                    <a:pt x="2003011" y="46456"/>
+                  </a:lnTo>
+                  <a:lnTo>
+                    <a:pt x="1931474" y="92912"/>
+                  </a:lnTo>
+                  <a:lnTo>
+                    <a:pt x="1859938" y="139368"/>
+                  </a:lnTo>
+                  <a:lnTo>
+                    <a:pt x="1788402" y="185824"/>
+                  </a:lnTo>
+                  <a:lnTo>
+                    <a:pt x="1716866" y="232280"/>
+                  </a:lnTo>
+                  <a:lnTo>
+                    <a:pt x="1645330" y="278736"/>
+                  </a:lnTo>
+                  <a:lnTo>
+                    <a:pt x="1573794" y="325192"/>
+                  </a:lnTo>
+                  <a:lnTo>
+                    <a:pt x="1502258" y="371648"/>
+                  </a:lnTo>
+                  <a:lnTo>
+                    <a:pt x="1430722" y="418104"/>
+                  </a:lnTo>
+                  <a:lnTo>
+                    <a:pt x="1359186" y="464560"/>
+                  </a:lnTo>
+                  <a:lnTo>
+                    <a:pt x="1287649" y="511017"/>
+                  </a:lnTo>
+                  <a:lnTo>
+                    <a:pt x="1216113" y="557473"/>
+                  </a:lnTo>
+                  <a:lnTo>
+                    <a:pt x="1144577" y="603929"/>
+                  </a:lnTo>
+                  <a:lnTo>
+                    <a:pt x="1073041" y="650385"/>
+                  </a:lnTo>
+                  <a:lnTo>
+                    <a:pt x="1001505" y="696841"/>
+                  </a:lnTo>
+                  <a:lnTo>
+                    <a:pt x="929969" y="743297"/>
+                  </a:lnTo>
+                  <a:lnTo>
+                    <a:pt x="858433" y="789753"/>
+                  </a:lnTo>
+                  <a:lnTo>
+                    <a:pt x="786897" y="836209"/>
+                  </a:lnTo>
+                  <a:lnTo>
+                    <a:pt x="715361" y="882665"/>
+                  </a:lnTo>
+                  <a:lnTo>
+                    <a:pt x="643824" y="929121"/>
+                  </a:lnTo>
+                  <a:lnTo>
+                    <a:pt x="572288" y="975577"/>
+                  </a:lnTo>
+                  <a:lnTo>
+                    <a:pt x="500752" y="1022034"/>
+                  </a:lnTo>
+                  <a:lnTo>
+                    <a:pt x="429216" y="1068490"/>
+                  </a:lnTo>
+                  <a:lnTo>
+                    <a:pt x="357680" y="1114946"/>
+                  </a:lnTo>
+                  <a:lnTo>
+                    <a:pt x="286144" y="1161402"/>
+                  </a:lnTo>
+                  <a:lnTo>
+                    <a:pt x="214608" y="1207858"/>
+                  </a:lnTo>
+                  <a:lnTo>
+                    <a:pt x="143072" y="1254314"/>
+                  </a:lnTo>
+                  <a:lnTo>
+                    <a:pt x="71536" y="1300770"/>
+                  </a:lnTo>
+                  <a:lnTo>
+                    <a:pt x="0" y="1347226"/>
+                  </a:lnTo>
+                  <a:lnTo>
+                    <a:pt x="47397" y="1417543"/>
+                  </a:lnTo>
+                  <a:lnTo>
+                    <a:pt x="97176" y="1486194"/>
+                  </a:lnTo>
+                  <a:lnTo>
+                    <a:pt x="149280" y="1553098"/>
+                  </a:lnTo>
+                  <a:lnTo>
+                    <a:pt x="203646" y="1618177"/>
+                  </a:lnTo>
+                  <a:lnTo>
+                    <a:pt x="260211" y="1681354"/>
+                  </a:lnTo>
+                  <a:lnTo>
+                    <a:pt x="318908" y="1742555"/>
+                  </a:lnTo>
+                  <a:lnTo>
+                    <a:pt x="379669" y="1801708"/>
+                  </a:lnTo>
+                  <a:lnTo>
+                    <a:pt x="442421" y="1858744"/>
+                  </a:lnTo>
+                  <a:lnTo>
+                    <a:pt x="507091" y="1913595"/>
+                  </a:lnTo>
+                  <a:lnTo>
+                    <a:pt x="573604" y="1966198"/>
+                  </a:lnTo>
+                  <a:lnTo>
+                    <a:pt x="641880" y="2016490"/>
+                  </a:lnTo>
+                  <a:lnTo>
+                    <a:pt x="711840" y="2064412"/>
+                  </a:lnTo>
+                  <a:lnTo>
+                    <a:pt x="783402" y="2109907"/>
+                  </a:lnTo>
+                  <a:lnTo>
+                    <a:pt x="856481" y="2152923"/>
+                  </a:lnTo>
+                  <a:lnTo>
+                    <a:pt x="930991" y="2193409"/>
+                  </a:lnTo>
+                  <a:lnTo>
+                    <a:pt x="1006846" y="2231318"/>
+                  </a:lnTo>
+                  <a:lnTo>
+                    <a:pt x="1083955" y="2266604"/>
+                  </a:lnTo>
+                  <a:lnTo>
+                    <a:pt x="1162229" y="2299226"/>
+                  </a:lnTo>
+                  <a:lnTo>
+                    <a:pt x="1241574" y="2329146"/>
+                  </a:lnTo>
+                  <a:lnTo>
+                    <a:pt x="1321899" y="2356329"/>
+                  </a:lnTo>
+                  <a:lnTo>
+                    <a:pt x="1403108" y="2380742"/>
+                  </a:lnTo>
+                  <a:lnTo>
+                    <a:pt x="1485106" y="2402358"/>
+                  </a:lnTo>
+                  <a:lnTo>
+                    <a:pt x="1567797" y="2421150"/>
+                  </a:lnTo>
+                  <a:lnTo>
+                    <a:pt x="1651083" y="2437097"/>
+                  </a:lnTo>
+                  <a:lnTo>
+                    <a:pt x="1734867" y="2450180"/>
+                  </a:lnTo>
+                  <a:lnTo>
+                    <a:pt x="1819051" y="2460383"/>
+                  </a:lnTo>
+                  <a:lnTo>
+                    <a:pt x="1903534" y="2467695"/>
+                  </a:lnTo>
+                  <a:lnTo>
+                    <a:pt x="1988219" y="2472107"/>
+                  </a:lnTo>
+                  <a:lnTo>
+                    <a:pt x="1991196" y="2386862"/>
+                  </a:lnTo>
+                  <a:lnTo>
+                    <a:pt x="1994172" y="2301616"/>
+                  </a:lnTo>
+                  <a:lnTo>
+                    <a:pt x="1997149" y="2216371"/>
+                  </a:lnTo>
+                  <a:lnTo>
+                    <a:pt x="2000126" y="2131126"/>
+                  </a:lnTo>
+                  <a:lnTo>
+                    <a:pt x="2003103" y="2045881"/>
+                  </a:lnTo>
+                  <a:lnTo>
+                    <a:pt x="2006080" y="1960636"/>
+                  </a:lnTo>
+                  <a:lnTo>
+                    <a:pt x="2009057" y="1875391"/>
+                  </a:lnTo>
+                  <a:lnTo>
+                    <a:pt x="2012033" y="1790146"/>
+                  </a:lnTo>
+                  <a:lnTo>
+                    <a:pt x="2015010" y="1704901"/>
+                  </a:lnTo>
+                  <a:lnTo>
+                    <a:pt x="2017987" y="1619656"/>
+                  </a:lnTo>
+                  <a:lnTo>
+                    <a:pt x="2020964" y="1534411"/>
+                  </a:lnTo>
+                  <a:lnTo>
+                    <a:pt x="2023941" y="1449166"/>
+                  </a:lnTo>
+                  <a:lnTo>
+                    <a:pt x="2026918" y="1363921"/>
+                  </a:lnTo>
+                  <a:lnTo>
+                    <a:pt x="2029894" y="1278676"/>
+                  </a:lnTo>
+                  <a:lnTo>
+                    <a:pt x="2032871" y="1193431"/>
+                  </a:lnTo>
+                  <a:lnTo>
+                    <a:pt x="2035848" y="1108185"/>
+                  </a:lnTo>
+                  <a:lnTo>
+                    <a:pt x="2038825" y="1022940"/>
+                  </a:lnTo>
+                  <a:lnTo>
+                    <a:pt x="2041802" y="937695"/>
+                  </a:lnTo>
+                  <a:lnTo>
+                    <a:pt x="2044778" y="852450"/>
+                  </a:lnTo>
+                  <a:lnTo>
+                    <a:pt x="2047755" y="767205"/>
+                  </a:lnTo>
+                  <a:lnTo>
+                    <a:pt x="2050732" y="681960"/>
+                  </a:lnTo>
+                  <a:lnTo>
+                    <a:pt x="2053709" y="596715"/>
+                  </a:lnTo>
+                  <a:lnTo>
+                    <a:pt x="2056686" y="511470"/>
+                  </a:lnTo>
+                  <a:lnTo>
+                    <a:pt x="2059663" y="426225"/>
+                  </a:lnTo>
+                  <a:lnTo>
+                    <a:pt x="2062639" y="340980"/>
+                  </a:lnTo>
+                  <a:lnTo>
+                    <a:pt x="2065616" y="255735"/>
+                  </a:lnTo>
+                  <a:lnTo>
+                    <a:pt x="2068593" y="170490"/>
+                  </a:lnTo>
+                  <a:lnTo>
+                    <a:pt x="2071570" y="85245"/>
                   </a:lnTo>
                   <a:close/>
                 </a:path>
@@ -3083,195 +3089,195 @@
           </p:nvSpPr>
           <p:spPr>
             <a:xfrm>
-              <a:off x="3361641" y="4223182"/>
-              <a:ext cx="2124758" cy="1506182"/>
+              <a:off x="3263130" y="4223182"/>
+              <a:ext cx="2223269" cy="1347226"/>
             </a:xfrm>
             <a:custGeom>
               <a:avLst/>
               <a:pathLst>
-                <a:path w="2124758" h="1506182">
+                <a:path w="2223269" h="1347226">
                   <a:moveTo>
-                    <a:pt x="2124758" y="0"/>
+                    <a:pt x="2223269" y="0"/>
                   </a:moveTo>
                   <a:lnTo>
-                    <a:pt x="2051491" y="43674"/>
-                  </a:lnTo>
-                  <a:lnTo>
-                    <a:pt x="1978223" y="87348"/>
-                  </a:lnTo>
-                  <a:lnTo>
-                    <a:pt x="1904956" y="131023"/>
-                  </a:lnTo>
-                  <a:lnTo>
-                    <a:pt x="1831688" y="174697"/>
-                  </a:lnTo>
-                  <a:lnTo>
-                    <a:pt x="1758421" y="218371"/>
-                  </a:lnTo>
-                  <a:lnTo>
-                    <a:pt x="1685153" y="262046"/>
-                  </a:lnTo>
-                  <a:lnTo>
-                    <a:pt x="1611885" y="305720"/>
-                  </a:lnTo>
-                  <a:lnTo>
-                    <a:pt x="1538618" y="349394"/>
-                  </a:lnTo>
-                  <a:lnTo>
-                    <a:pt x="1465350" y="393069"/>
-                  </a:lnTo>
-                  <a:lnTo>
-                    <a:pt x="1392083" y="436743"/>
-                  </a:lnTo>
-                  <a:lnTo>
-                    <a:pt x="1318815" y="480418"/>
-                  </a:lnTo>
-                  <a:lnTo>
-                    <a:pt x="1245548" y="524092"/>
-                  </a:lnTo>
-                  <a:lnTo>
-                    <a:pt x="1172280" y="567766"/>
-                  </a:lnTo>
-                  <a:lnTo>
-                    <a:pt x="1099013" y="611441"/>
-                  </a:lnTo>
-                  <a:lnTo>
-                    <a:pt x="1025745" y="655115"/>
-                  </a:lnTo>
-                  <a:lnTo>
-                    <a:pt x="952478" y="698789"/>
-                  </a:lnTo>
-                  <a:lnTo>
-                    <a:pt x="879210" y="742464"/>
-                  </a:lnTo>
-                  <a:lnTo>
-                    <a:pt x="805942" y="786138"/>
-                  </a:lnTo>
-                  <a:lnTo>
-                    <a:pt x="732675" y="829813"/>
-                  </a:lnTo>
-                  <a:lnTo>
-                    <a:pt x="659407" y="873487"/>
-                  </a:lnTo>
-                  <a:lnTo>
-                    <a:pt x="586140" y="917161"/>
-                  </a:lnTo>
-                  <a:lnTo>
-                    <a:pt x="512872" y="960836"/>
-                  </a:lnTo>
-                  <a:lnTo>
-                    <a:pt x="439605" y="1004510"/>
-                  </a:lnTo>
-                  <a:lnTo>
-                    <a:pt x="366337" y="1048184"/>
-                  </a:lnTo>
-                  <a:lnTo>
-                    <a:pt x="293070" y="1091859"/>
-                  </a:lnTo>
-                  <a:lnTo>
-                    <a:pt x="219802" y="1135533"/>
-                  </a:lnTo>
-                  <a:lnTo>
-                    <a:pt x="146535" y="1179208"/>
-                  </a:lnTo>
-                  <a:lnTo>
-                    <a:pt x="73267" y="1222882"/>
-                  </a:lnTo>
-                  <a:lnTo>
-                    <a:pt x="0" y="1266556"/>
-                  </a:lnTo>
-                  <a:lnTo>
-                    <a:pt x="51057" y="1348528"/>
-                  </a:lnTo>
-                  <a:lnTo>
-                    <a:pt x="105275" y="1428444"/>
-                  </a:lnTo>
-                  <a:lnTo>
-                    <a:pt x="162571" y="1506182"/>
-                  </a:lnTo>
-                  <a:lnTo>
-                    <a:pt x="230232" y="1454245"/>
-                  </a:lnTo>
-                  <a:lnTo>
-                    <a:pt x="297894" y="1402308"/>
-                  </a:lnTo>
-                  <a:lnTo>
-                    <a:pt x="365556" y="1350370"/>
-                  </a:lnTo>
-                  <a:lnTo>
-                    <a:pt x="433217" y="1298433"/>
-                  </a:lnTo>
-                  <a:lnTo>
-                    <a:pt x="500879" y="1246496"/>
-                  </a:lnTo>
-                  <a:lnTo>
-                    <a:pt x="568541" y="1194558"/>
-                  </a:lnTo>
-                  <a:lnTo>
-                    <a:pt x="636202" y="1142621"/>
-                  </a:lnTo>
-                  <a:lnTo>
-                    <a:pt x="703864" y="1090684"/>
-                  </a:lnTo>
-                  <a:lnTo>
-                    <a:pt x="771526" y="1038746"/>
-                  </a:lnTo>
-                  <a:lnTo>
-                    <a:pt x="839187" y="986809"/>
-                  </a:lnTo>
-                  <a:lnTo>
-                    <a:pt x="906849" y="934872"/>
-                  </a:lnTo>
-                  <a:lnTo>
-                    <a:pt x="974510" y="882934"/>
-                  </a:lnTo>
-                  <a:lnTo>
-                    <a:pt x="1042172" y="830997"/>
-                  </a:lnTo>
-                  <a:lnTo>
-                    <a:pt x="1109834" y="779060"/>
-                  </a:lnTo>
-                  <a:lnTo>
-                    <a:pt x="1177495" y="727122"/>
-                  </a:lnTo>
-                  <a:lnTo>
-                    <a:pt x="1245157" y="675185"/>
-                  </a:lnTo>
-                  <a:lnTo>
-                    <a:pt x="1312819" y="623248"/>
-                  </a:lnTo>
-                  <a:lnTo>
-                    <a:pt x="1380480" y="571310"/>
-                  </a:lnTo>
-                  <a:lnTo>
-                    <a:pt x="1448142" y="519373"/>
-                  </a:lnTo>
-                  <a:lnTo>
-                    <a:pt x="1515804" y="467436"/>
-                  </a:lnTo>
-                  <a:lnTo>
-                    <a:pt x="1583465" y="415498"/>
-                  </a:lnTo>
-                  <a:lnTo>
-                    <a:pt x="1651127" y="363561"/>
-                  </a:lnTo>
-                  <a:lnTo>
-                    <a:pt x="1718788" y="311624"/>
-                  </a:lnTo>
-                  <a:lnTo>
-                    <a:pt x="1786450" y="259686"/>
-                  </a:lnTo>
-                  <a:lnTo>
-                    <a:pt x="1854112" y="207749"/>
-                  </a:lnTo>
-                  <a:lnTo>
-                    <a:pt x="1921773" y="155812"/>
-                  </a:lnTo>
-                  <a:lnTo>
-                    <a:pt x="1989435" y="103874"/>
-                  </a:lnTo>
-                  <a:lnTo>
-                    <a:pt x="2057097" y="51937"/>
+                    <a:pt x="2146605" y="37391"/>
+                  </a:lnTo>
+                  <a:lnTo>
+                    <a:pt x="2069940" y="74783"/>
+                  </a:lnTo>
+                  <a:lnTo>
+                    <a:pt x="1993276" y="112175"/>
+                  </a:lnTo>
+                  <a:lnTo>
+                    <a:pt x="1916611" y="149567"/>
+                  </a:lnTo>
+                  <a:lnTo>
+                    <a:pt x="1839947" y="186958"/>
+                  </a:lnTo>
+                  <a:lnTo>
+                    <a:pt x="1763282" y="224350"/>
+                  </a:lnTo>
+                  <a:lnTo>
+                    <a:pt x="1686618" y="261742"/>
+                  </a:lnTo>
+                  <a:lnTo>
+                    <a:pt x="1609953" y="299134"/>
+                  </a:lnTo>
+                  <a:lnTo>
+                    <a:pt x="1533289" y="336525"/>
+                  </a:lnTo>
+                  <a:lnTo>
+                    <a:pt x="1456624" y="373917"/>
+                  </a:lnTo>
+                  <a:lnTo>
+                    <a:pt x="1379960" y="411309"/>
+                  </a:lnTo>
+                  <a:lnTo>
+                    <a:pt x="1303295" y="448701"/>
+                  </a:lnTo>
+                  <a:lnTo>
+                    <a:pt x="1226631" y="486092"/>
+                  </a:lnTo>
+                  <a:lnTo>
+                    <a:pt x="1149966" y="523484"/>
+                  </a:lnTo>
+                  <a:lnTo>
+                    <a:pt x="1073302" y="560876"/>
+                  </a:lnTo>
+                  <a:lnTo>
+                    <a:pt x="996638" y="598268"/>
+                  </a:lnTo>
+                  <a:lnTo>
+                    <a:pt x="919973" y="635659"/>
+                  </a:lnTo>
+                  <a:lnTo>
+                    <a:pt x="843309" y="673051"/>
+                  </a:lnTo>
+                  <a:lnTo>
+                    <a:pt x="766644" y="710443"/>
+                  </a:lnTo>
+                  <a:lnTo>
+                    <a:pt x="689980" y="747835"/>
+                  </a:lnTo>
+                  <a:lnTo>
+                    <a:pt x="613315" y="785226"/>
+                  </a:lnTo>
+                  <a:lnTo>
+                    <a:pt x="536651" y="822618"/>
+                  </a:lnTo>
+                  <a:lnTo>
+                    <a:pt x="459986" y="860010"/>
+                  </a:lnTo>
+                  <a:lnTo>
+                    <a:pt x="383322" y="897402"/>
+                  </a:lnTo>
+                  <a:lnTo>
+                    <a:pt x="306657" y="934793"/>
+                  </a:lnTo>
+                  <a:lnTo>
+                    <a:pt x="229993" y="972185"/>
+                  </a:lnTo>
+                  <a:lnTo>
+                    <a:pt x="153328" y="1009577"/>
+                  </a:lnTo>
+                  <a:lnTo>
+                    <a:pt x="76664" y="1046969"/>
+                  </a:lnTo>
+                  <a:lnTo>
+                    <a:pt x="0" y="1084360"/>
+                  </a:lnTo>
+                  <a:lnTo>
+                    <a:pt x="45991" y="1173978"/>
+                  </a:lnTo>
+                  <a:lnTo>
+                    <a:pt x="95592" y="1261648"/>
+                  </a:lnTo>
+                  <a:lnTo>
+                    <a:pt x="148722" y="1347226"/>
+                  </a:lnTo>
+                  <a:lnTo>
+                    <a:pt x="220258" y="1300770"/>
+                  </a:lnTo>
+                  <a:lnTo>
+                    <a:pt x="291794" y="1254314"/>
+                  </a:lnTo>
+                  <a:lnTo>
+                    <a:pt x="363330" y="1207858"/>
+                  </a:lnTo>
+                  <a:lnTo>
+                    <a:pt x="434866" y="1161402"/>
+                  </a:lnTo>
+                  <a:lnTo>
+                    <a:pt x="506402" y="1114946"/>
+                  </a:lnTo>
+                  <a:lnTo>
+                    <a:pt x="577938" y="1068490"/>
+                  </a:lnTo>
+                  <a:lnTo>
+                    <a:pt x="649475" y="1022034"/>
+                  </a:lnTo>
+                  <a:lnTo>
+                    <a:pt x="721011" y="975577"/>
+                  </a:lnTo>
+                  <a:lnTo>
+                    <a:pt x="792547" y="929121"/>
+                  </a:lnTo>
+                  <a:lnTo>
+                    <a:pt x="864083" y="882665"/>
+                  </a:lnTo>
+                  <a:lnTo>
+                    <a:pt x="935619" y="836209"/>
+                  </a:lnTo>
+                  <a:lnTo>
+                    <a:pt x="1007155" y="789753"/>
+                  </a:lnTo>
+                  <a:lnTo>
+                    <a:pt x="1078691" y="743297"/>
+                  </a:lnTo>
+                  <a:lnTo>
+                    <a:pt x="1150227" y="696841"/>
+                  </a:lnTo>
+                  <a:lnTo>
+                    <a:pt x="1221763" y="650385"/>
+                  </a:lnTo>
+                  <a:lnTo>
+                    <a:pt x="1293300" y="603929"/>
+                  </a:lnTo>
+                  <a:lnTo>
+                    <a:pt x="1364836" y="557473"/>
+                  </a:lnTo>
+                  <a:lnTo>
+                    <a:pt x="1436372" y="511017"/>
+                  </a:lnTo>
+                  <a:lnTo>
+                    <a:pt x="1507908" y="464560"/>
+                  </a:lnTo>
+                  <a:lnTo>
+                    <a:pt x="1579444" y="418104"/>
+                  </a:lnTo>
+                  <a:lnTo>
+                    <a:pt x="1650980" y="371648"/>
+                  </a:lnTo>
+                  <a:lnTo>
+                    <a:pt x="1722516" y="325192"/>
+                  </a:lnTo>
+                  <a:lnTo>
+                    <a:pt x="1794052" y="278736"/>
+                  </a:lnTo>
+                  <a:lnTo>
+                    <a:pt x="1865588" y="232280"/>
+                  </a:lnTo>
+                  <a:lnTo>
+                    <a:pt x="1937125" y="185824"/>
+                  </a:lnTo>
+                  <a:lnTo>
+                    <a:pt x="2008661" y="139368"/>
+                  </a:lnTo>
+                  <a:lnTo>
+                    <a:pt x="2080197" y="92912"/>
+                  </a:lnTo>
+                  <a:lnTo>
+                    <a:pt x="2151733" y="46456"/>
                   </a:lnTo>
                   <a:close/>
                 </a:path>
@@ -3306,192 +3312,189 @@
           </p:nvSpPr>
           <p:spPr>
             <a:xfrm>
-              <a:off x="3272382" y="4223182"/>
-              <a:ext cx="2214017" cy="1266556"/>
+              <a:off x="3209426" y="4223182"/>
+              <a:ext cx="2276973" cy="1084360"/>
             </a:xfrm>
             <a:custGeom>
               <a:avLst/>
               <a:pathLst>
-                <a:path w="2214017" h="1266556">
+                <a:path w="2276973" h="1084360">
                   <a:moveTo>
-                    <a:pt x="2214017" y="0"/>
+                    <a:pt x="2276973" y="0"/>
                   </a:moveTo>
                   <a:lnTo>
-                    <a:pt x="2137671" y="38038"/>
-                  </a:lnTo>
-                  <a:lnTo>
-                    <a:pt x="2061326" y="76077"/>
-                  </a:lnTo>
-                  <a:lnTo>
-                    <a:pt x="1984980" y="114116"/>
-                  </a:lnTo>
-                  <a:lnTo>
-                    <a:pt x="1908635" y="152155"/>
-                  </a:lnTo>
-                  <a:lnTo>
-                    <a:pt x="1832289" y="190194"/>
-                  </a:lnTo>
-                  <a:lnTo>
-                    <a:pt x="1755944" y="228233"/>
-                  </a:lnTo>
-                  <a:lnTo>
-                    <a:pt x="1679599" y="266272"/>
-                  </a:lnTo>
-                  <a:lnTo>
-                    <a:pt x="1603253" y="304311"/>
-                  </a:lnTo>
-                  <a:lnTo>
-                    <a:pt x="1526908" y="342350"/>
-                  </a:lnTo>
-                  <a:lnTo>
-                    <a:pt x="1450562" y="380389"/>
-                  </a:lnTo>
-                  <a:lnTo>
-                    <a:pt x="1374217" y="418428"/>
-                  </a:lnTo>
-                  <a:lnTo>
-                    <a:pt x="1297872" y="456467"/>
-                  </a:lnTo>
-                  <a:lnTo>
-                    <a:pt x="1221526" y="494506"/>
-                  </a:lnTo>
-                  <a:lnTo>
-                    <a:pt x="1145181" y="532545"/>
-                  </a:lnTo>
-                  <a:lnTo>
-                    <a:pt x="1068835" y="570584"/>
-                  </a:lnTo>
-                  <a:lnTo>
-                    <a:pt x="992490" y="608623"/>
-                  </a:lnTo>
-                  <a:lnTo>
-                    <a:pt x="916144" y="646662"/>
-                  </a:lnTo>
-                  <a:lnTo>
-                    <a:pt x="839799" y="684701"/>
-                  </a:lnTo>
-                  <a:lnTo>
-                    <a:pt x="763454" y="722739"/>
-                  </a:lnTo>
-                  <a:lnTo>
-                    <a:pt x="687108" y="760778"/>
-                  </a:lnTo>
-                  <a:lnTo>
-                    <a:pt x="610763" y="798817"/>
-                  </a:lnTo>
-                  <a:lnTo>
-                    <a:pt x="534417" y="836856"/>
-                  </a:lnTo>
-                  <a:lnTo>
-                    <a:pt x="458072" y="874895"/>
-                  </a:lnTo>
-                  <a:lnTo>
-                    <a:pt x="381727" y="912934"/>
-                  </a:lnTo>
-                  <a:lnTo>
-                    <a:pt x="305381" y="950973"/>
-                  </a:lnTo>
-                  <a:lnTo>
-                    <a:pt x="229036" y="989012"/>
-                  </a:lnTo>
-                  <a:lnTo>
-                    <a:pt x="152690" y="1027051"/>
-                  </a:lnTo>
-                  <a:lnTo>
-                    <a:pt x="76345" y="1065090"/>
-                  </a:lnTo>
-                  <a:lnTo>
-                    <a:pt x="0" y="1103129"/>
-                  </a:lnTo>
-                  <a:lnTo>
-                    <a:pt x="43090" y="1185683"/>
-                  </a:lnTo>
-                  <a:lnTo>
-                    <a:pt x="89258" y="1266556"/>
-                  </a:lnTo>
-                  <a:lnTo>
-                    <a:pt x="162525" y="1222882"/>
-                  </a:lnTo>
-                  <a:lnTo>
-                    <a:pt x="235793" y="1179208"/>
-                  </a:lnTo>
-                  <a:lnTo>
-                    <a:pt x="309060" y="1135533"/>
-                  </a:lnTo>
-                  <a:lnTo>
-                    <a:pt x="382328" y="1091859"/>
-                  </a:lnTo>
-                  <a:lnTo>
-                    <a:pt x="455596" y="1048184"/>
-                  </a:lnTo>
-                  <a:lnTo>
-                    <a:pt x="528863" y="1004510"/>
-                  </a:lnTo>
-                  <a:lnTo>
-                    <a:pt x="602131" y="960836"/>
-                  </a:lnTo>
-                  <a:lnTo>
-                    <a:pt x="675398" y="917161"/>
-                  </a:lnTo>
-                  <a:lnTo>
-                    <a:pt x="748666" y="873487"/>
-                  </a:lnTo>
-                  <a:lnTo>
-                    <a:pt x="821933" y="829813"/>
-                  </a:lnTo>
-                  <a:lnTo>
-                    <a:pt x="895201" y="786138"/>
-                  </a:lnTo>
-                  <a:lnTo>
-                    <a:pt x="968468" y="742464"/>
-                  </a:lnTo>
-                  <a:lnTo>
-                    <a:pt x="1041736" y="698789"/>
-                  </a:lnTo>
-                  <a:lnTo>
-                    <a:pt x="1115003" y="655115"/>
-                  </a:lnTo>
-                  <a:lnTo>
-                    <a:pt x="1188271" y="611441"/>
-                  </a:lnTo>
-                  <a:lnTo>
-                    <a:pt x="1261538" y="567766"/>
-                  </a:lnTo>
-                  <a:lnTo>
-                    <a:pt x="1334806" y="524092"/>
-                  </a:lnTo>
-                  <a:lnTo>
-                    <a:pt x="1408074" y="480418"/>
-                  </a:lnTo>
-                  <a:lnTo>
-                    <a:pt x="1481341" y="436743"/>
-                  </a:lnTo>
-                  <a:lnTo>
-                    <a:pt x="1554609" y="393069"/>
-                  </a:lnTo>
-                  <a:lnTo>
-                    <a:pt x="1627876" y="349394"/>
-                  </a:lnTo>
-                  <a:lnTo>
-                    <a:pt x="1701144" y="305720"/>
-                  </a:lnTo>
-                  <a:lnTo>
-                    <a:pt x="1774411" y="262046"/>
-                  </a:lnTo>
-                  <a:lnTo>
-                    <a:pt x="1847679" y="218371"/>
-                  </a:lnTo>
-                  <a:lnTo>
-                    <a:pt x="1920946" y="174697"/>
-                  </a:lnTo>
-                  <a:lnTo>
-                    <a:pt x="1994214" y="131023"/>
-                  </a:lnTo>
-                  <a:lnTo>
-                    <a:pt x="2067481" y="87348"/>
-                  </a:lnTo>
-                  <a:lnTo>
-                    <a:pt x="2140749" y="43674"/>
+                    <a:pt x="2198457" y="33328"/>
+                  </a:lnTo>
+                  <a:lnTo>
+                    <a:pt x="2119940" y="66656"/>
+                  </a:lnTo>
+                  <a:lnTo>
+                    <a:pt x="2041424" y="99984"/>
+                  </a:lnTo>
+                  <a:lnTo>
+                    <a:pt x="1962908" y="133312"/>
+                  </a:lnTo>
+                  <a:lnTo>
+                    <a:pt x="1884391" y="166641"/>
+                  </a:lnTo>
+                  <a:lnTo>
+                    <a:pt x="1805875" y="199969"/>
+                  </a:lnTo>
+                  <a:lnTo>
+                    <a:pt x="1727359" y="233297"/>
+                  </a:lnTo>
+                  <a:lnTo>
+                    <a:pt x="1648842" y="266625"/>
+                  </a:lnTo>
+                  <a:lnTo>
+                    <a:pt x="1570326" y="299953"/>
+                  </a:lnTo>
+                  <a:lnTo>
+                    <a:pt x="1491810" y="333282"/>
+                  </a:lnTo>
+                  <a:lnTo>
+                    <a:pt x="1413293" y="366610"/>
+                  </a:lnTo>
+                  <a:lnTo>
+                    <a:pt x="1334777" y="399938"/>
+                  </a:lnTo>
+                  <a:lnTo>
+                    <a:pt x="1256261" y="433266"/>
+                  </a:lnTo>
+                  <a:lnTo>
+                    <a:pt x="1177744" y="466594"/>
+                  </a:lnTo>
+                  <a:lnTo>
+                    <a:pt x="1099228" y="499923"/>
+                  </a:lnTo>
+                  <a:lnTo>
+                    <a:pt x="1020712" y="533251"/>
+                  </a:lnTo>
+                  <a:lnTo>
+                    <a:pt x="942195" y="566579"/>
+                  </a:lnTo>
+                  <a:lnTo>
+                    <a:pt x="863679" y="599907"/>
+                  </a:lnTo>
+                  <a:lnTo>
+                    <a:pt x="785163" y="633235"/>
+                  </a:lnTo>
+                  <a:lnTo>
+                    <a:pt x="706646" y="666564"/>
+                  </a:lnTo>
+                  <a:lnTo>
+                    <a:pt x="628130" y="699892"/>
+                  </a:lnTo>
+                  <a:lnTo>
+                    <a:pt x="549614" y="733220"/>
+                  </a:lnTo>
+                  <a:lnTo>
+                    <a:pt x="471097" y="766548"/>
+                  </a:lnTo>
+                  <a:lnTo>
+                    <a:pt x="392581" y="799876"/>
+                  </a:lnTo>
+                  <a:lnTo>
+                    <a:pt x="314065" y="833205"/>
+                  </a:lnTo>
+                  <a:lnTo>
+                    <a:pt x="235548" y="866533"/>
+                  </a:lnTo>
+                  <a:lnTo>
+                    <a:pt x="157032" y="899861"/>
+                  </a:lnTo>
+                  <a:lnTo>
+                    <a:pt x="78516" y="933189"/>
+                  </a:lnTo>
+                  <a:lnTo>
+                    <a:pt x="0" y="966517"/>
+                  </a:lnTo>
+                  <a:lnTo>
+                    <a:pt x="53704" y="1084360"/>
+                  </a:lnTo>
+                  <a:lnTo>
+                    <a:pt x="130368" y="1046969"/>
+                  </a:lnTo>
+                  <a:lnTo>
+                    <a:pt x="207033" y="1009577"/>
+                  </a:lnTo>
+                  <a:lnTo>
+                    <a:pt x="283697" y="972185"/>
+                  </a:lnTo>
+                  <a:lnTo>
+                    <a:pt x="360362" y="934793"/>
+                  </a:lnTo>
+                  <a:lnTo>
+                    <a:pt x="437026" y="897402"/>
+                  </a:lnTo>
+                  <a:lnTo>
+                    <a:pt x="513690" y="860010"/>
+                  </a:lnTo>
+                  <a:lnTo>
+                    <a:pt x="590355" y="822618"/>
+                  </a:lnTo>
+                  <a:lnTo>
+                    <a:pt x="667019" y="785226"/>
+                  </a:lnTo>
+                  <a:lnTo>
+                    <a:pt x="743684" y="747835"/>
+                  </a:lnTo>
+                  <a:lnTo>
+                    <a:pt x="820348" y="710443"/>
+                  </a:lnTo>
+                  <a:lnTo>
+                    <a:pt x="897013" y="673051"/>
+                  </a:lnTo>
+                  <a:lnTo>
+                    <a:pt x="973677" y="635659"/>
+                  </a:lnTo>
+                  <a:lnTo>
+                    <a:pt x="1050342" y="598268"/>
+                  </a:lnTo>
+                  <a:lnTo>
+                    <a:pt x="1127006" y="560876"/>
+                  </a:lnTo>
+                  <a:lnTo>
+                    <a:pt x="1203671" y="523484"/>
+                  </a:lnTo>
+                  <a:lnTo>
+                    <a:pt x="1280335" y="486092"/>
+                  </a:lnTo>
+                  <a:lnTo>
+                    <a:pt x="1357000" y="448701"/>
+                  </a:lnTo>
+                  <a:lnTo>
+                    <a:pt x="1433664" y="411309"/>
+                  </a:lnTo>
+                  <a:lnTo>
+                    <a:pt x="1510328" y="373917"/>
+                  </a:lnTo>
+                  <a:lnTo>
+                    <a:pt x="1586993" y="336525"/>
+                  </a:lnTo>
+                  <a:lnTo>
+                    <a:pt x="1663657" y="299134"/>
+                  </a:lnTo>
+                  <a:lnTo>
+                    <a:pt x="1740322" y="261742"/>
+                  </a:lnTo>
+                  <a:lnTo>
+                    <a:pt x="1816986" y="224350"/>
+                  </a:lnTo>
+                  <a:lnTo>
+                    <a:pt x="1893651" y="186958"/>
+                  </a:lnTo>
+                  <a:lnTo>
+                    <a:pt x="1970315" y="149567"/>
+                  </a:lnTo>
+                  <a:lnTo>
+                    <a:pt x="2046980" y="112175"/>
+                  </a:lnTo>
+                  <a:lnTo>
+                    <a:pt x="2123644" y="74783"/>
+                  </a:lnTo>
+                  <a:lnTo>
+                    <a:pt x="2200309" y="37391"/>
                   </a:lnTo>
                   <a:close/>
                 </a:path>
@@ -3526,201 +3529,195 @@
           </p:nvSpPr>
           <p:spPr>
             <a:xfrm>
-              <a:off x="3107882" y="4223182"/>
-              <a:ext cx="2378517" cy="1103129"/>
+              <a:off x="3102750" y="4223182"/>
+              <a:ext cx="2383649" cy="966517"/>
             </a:xfrm>
             <a:custGeom>
               <a:avLst/>
               <a:pathLst>
-                <a:path w="2378517" h="1103129">
+                <a:path w="2383649" h="966517">
                   <a:moveTo>
-                    <a:pt x="2378517" y="0"/>
+                    <a:pt x="2383649" y="0"/>
                   </a:moveTo>
                   <a:lnTo>
-                    <a:pt x="2296500" y="23423"/>
-                  </a:lnTo>
-                  <a:lnTo>
-                    <a:pt x="2214482" y="46846"/>
-                  </a:lnTo>
-                  <a:lnTo>
-                    <a:pt x="2132464" y="70270"/>
-                  </a:lnTo>
-                  <a:lnTo>
-                    <a:pt x="2050446" y="93693"/>
-                  </a:lnTo>
-                  <a:lnTo>
-                    <a:pt x="1968428" y="117116"/>
-                  </a:lnTo>
-                  <a:lnTo>
-                    <a:pt x="1886410" y="140540"/>
-                  </a:lnTo>
-                  <a:lnTo>
-                    <a:pt x="1804392" y="163963"/>
-                  </a:lnTo>
-                  <a:lnTo>
-                    <a:pt x="1722375" y="187387"/>
-                  </a:lnTo>
-                  <a:lnTo>
-                    <a:pt x="1640357" y="210810"/>
-                  </a:lnTo>
-                  <a:lnTo>
-                    <a:pt x="1558339" y="234233"/>
-                  </a:lnTo>
-                  <a:lnTo>
-                    <a:pt x="1476321" y="257657"/>
-                  </a:lnTo>
-                  <a:lnTo>
-                    <a:pt x="1394303" y="281080"/>
-                  </a:lnTo>
-                  <a:lnTo>
-                    <a:pt x="1312285" y="304503"/>
-                  </a:lnTo>
-                  <a:lnTo>
-                    <a:pt x="1230267" y="327927"/>
-                  </a:lnTo>
-                  <a:lnTo>
-                    <a:pt x="1148250" y="351350"/>
-                  </a:lnTo>
-                  <a:lnTo>
-                    <a:pt x="1066232" y="374774"/>
-                  </a:lnTo>
-                  <a:lnTo>
-                    <a:pt x="984214" y="398197"/>
-                  </a:lnTo>
-                  <a:lnTo>
-                    <a:pt x="902196" y="421620"/>
-                  </a:lnTo>
-                  <a:lnTo>
-                    <a:pt x="820178" y="445044"/>
-                  </a:lnTo>
-                  <a:lnTo>
-                    <a:pt x="738160" y="468467"/>
-                  </a:lnTo>
-                  <a:lnTo>
-                    <a:pt x="656142" y="491891"/>
-                  </a:lnTo>
-                  <a:lnTo>
-                    <a:pt x="574125" y="515314"/>
-                  </a:lnTo>
-                  <a:lnTo>
-                    <a:pt x="492107" y="538737"/>
-                  </a:lnTo>
-                  <a:lnTo>
-                    <a:pt x="410089" y="562161"/>
-                  </a:lnTo>
-                  <a:lnTo>
-                    <a:pt x="328071" y="585584"/>
-                  </a:lnTo>
-                  <a:lnTo>
-                    <a:pt x="246053" y="609007"/>
-                  </a:lnTo>
-                  <a:lnTo>
-                    <a:pt x="164035" y="632431"/>
-                  </a:lnTo>
-                  <a:lnTo>
-                    <a:pt x="82017" y="655854"/>
-                  </a:lnTo>
-                  <a:lnTo>
-                    <a:pt x="0" y="679278"/>
-                  </a:lnTo>
-                  <a:lnTo>
-                    <a:pt x="26611" y="766356"/>
-                  </a:lnTo>
-                  <a:lnTo>
-                    <a:pt x="56409" y="852396"/>
-                  </a:lnTo>
-                  <a:lnTo>
-                    <a:pt x="89354" y="937282"/>
-                  </a:lnTo>
-                  <a:lnTo>
-                    <a:pt x="125401" y="1020897"/>
-                  </a:lnTo>
-                  <a:lnTo>
-                    <a:pt x="164500" y="1103129"/>
-                  </a:lnTo>
-                  <a:lnTo>
-                    <a:pt x="240846" y="1065090"/>
-                  </a:lnTo>
-                  <a:lnTo>
-                    <a:pt x="317191" y="1027051"/>
-                  </a:lnTo>
-                  <a:lnTo>
-                    <a:pt x="393537" y="989012"/>
-                  </a:lnTo>
-                  <a:lnTo>
-                    <a:pt x="469882" y="950973"/>
-                  </a:lnTo>
-                  <a:lnTo>
-                    <a:pt x="546227" y="912934"/>
-                  </a:lnTo>
-                  <a:lnTo>
-                    <a:pt x="622573" y="874895"/>
-                  </a:lnTo>
-                  <a:lnTo>
-                    <a:pt x="698918" y="836856"/>
-                  </a:lnTo>
-                  <a:lnTo>
-                    <a:pt x="775264" y="798817"/>
-                  </a:lnTo>
-                  <a:lnTo>
-                    <a:pt x="851609" y="760778"/>
-                  </a:lnTo>
-                  <a:lnTo>
-                    <a:pt x="927954" y="722739"/>
-                  </a:lnTo>
-                  <a:lnTo>
-                    <a:pt x="1004300" y="684701"/>
-                  </a:lnTo>
-                  <a:lnTo>
-                    <a:pt x="1080645" y="646662"/>
-                  </a:lnTo>
-                  <a:lnTo>
-                    <a:pt x="1156991" y="608623"/>
-                  </a:lnTo>
-                  <a:lnTo>
-                    <a:pt x="1233336" y="570584"/>
-                  </a:lnTo>
-                  <a:lnTo>
-                    <a:pt x="1309682" y="532545"/>
-                  </a:lnTo>
-                  <a:lnTo>
-                    <a:pt x="1386027" y="494506"/>
-                  </a:lnTo>
-                  <a:lnTo>
-                    <a:pt x="1462372" y="456467"/>
-                  </a:lnTo>
-                  <a:lnTo>
-                    <a:pt x="1538718" y="418428"/>
-                  </a:lnTo>
-                  <a:lnTo>
-                    <a:pt x="1615063" y="380389"/>
-                  </a:lnTo>
-                  <a:lnTo>
-                    <a:pt x="1691409" y="342350"/>
-                  </a:lnTo>
-                  <a:lnTo>
-                    <a:pt x="1767754" y="304311"/>
-                  </a:lnTo>
-                  <a:lnTo>
-                    <a:pt x="1844099" y="266272"/>
-                  </a:lnTo>
-                  <a:lnTo>
-                    <a:pt x="1920445" y="228233"/>
-                  </a:lnTo>
-                  <a:lnTo>
-                    <a:pt x="1996790" y="190194"/>
-                  </a:lnTo>
-                  <a:lnTo>
-                    <a:pt x="2073136" y="152155"/>
-                  </a:lnTo>
-                  <a:lnTo>
-                    <a:pt x="2149481" y="114116"/>
-                  </a:lnTo>
-                  <a:lnTo>
-                    <a:pt x="2225827" y="76077"/>
-                  </a:lnTo>
-                  <a:lnTo>
-                    <a:pt x="2302172" y="38038"/>
+                    <a:pt x="2301454" y="22794"/>
+                  </a:lnTo>
+                  <a:lnTo>
+                    <a:pt x="2219260" y="45589"/>
+                  </a:lnTo>
+                  <a:lnTo>
+                    <a:pt x="2137065" y="68383"/>
+                  </a:lnTo>
+                  <a:lnTo>
+                    <a:pt x="2054870" y="91178"/>
+                  </a:lnTo>
+                  <a:lnTo>
+                    <a:pt x="1972675" y="113973"/>
+                  </a:lnTo>
+                  <a:lnTo>
+                    <a:pt x="1890480" y="136767"/>
+                  </a:lnTo>
+                  <a:lnTo>
+                    <a:pt x="1808285" y="159562"/>
+                  </a:lnTo>
+                  <a:lnTo>
+                    <a:pt x="1726091" y="182357"/>
+                  </a:lnTo>
+                  <a:lnTo>
+                    <a:pt x="1643896" y="205151"/>
+                  </a:lnTo>
+                  <a:lnTo>
+                    <a:pt x="1561701" y="227946"/>
+                  </a:lnTo>
+                  <a:lnTo>
+                    <a:pt x="1479506" y="250741"/>
+                  </a:lnTo>
+                  <a:lnTo>
+                    <a:pt x="1397311" y="273535"/>
+                  </a:lnTo>
+                  <a:lnTo>
+                    <a:pt x="1315117" y="296330"/>
+                  </a:lnTo>
+                  <a:lnTo>
+                    <a:pt x="1232922" y="319124"/>
+                  </a:lnTo>
+                  <a:lnTo>
+                    <a:pt x="1150727" y="341919"/>
+                  </a:lnTo>
+                  <a:lnTo>
+                    <a:pt x="1068532" y="364714"/>
+                  </a:lnTo>
+                  <a:lnTo>
+                    <a:pt x="986337" y="387508"/>
+                  </a:lnTo>
+                  <a:lnTo>
+                    <a:pt x="904142" y="410303"/>
+                  </a:lnTo>
+                  <a:lnTo>
+                    <a:pt x="821948" y="433098"/>
+                  </a:lnTo>
+                  <a:lnTo>
+                    <a:pt x="739753" y="455892"/>
+                  </a:lnTo>
+                  <a:lnTo>
+                    <a:pt x="657558" y="478687"/>
+                  </a:lnTo>
+                  <a:lnTo>
+                    <a:pt x="575363" y="501482"/>
+                  </a:lnTo>
+                  <a:lnTo>
+                    <a:pt x="493168" y="524276"/>
+                  </a:lnTo>
+                  <a:lnTo>
+                    <a:pt x="410974" y="547071"/>
+                  </a:lnTo>
+                  <a:lnTo>
+                    <a:pt x="328779" y="569866"/>
+                  </a:lnTo>
+                  <a:lnTo>
+                    <a:pt x="246584" y="592660"/>
+                  </a:lnTo>
+                  <a:lnTo>
+                    <a:pt x="164389" y="615455"/>
+                  </a:lnTo>
+                  <a:lnTo>
+                    <a:pt x="82194" y="638249"/>
+                  </a:lnTo>
+                  <a:lnTo>
+                    <a:pt x="0" y="661044"/>
+                  </a:lnTo>
+                  <a:lnTo>
+                    <a:pt x="31103" y="764388"/>
+                  </a:lnTo>
+                  <a:lnTo>
+                    <a:pt x="66684" y="866277"/>
+                  </a:lnTo>
+                  <a:lnTo>
+                    <a:pt x="106676" y="966517"/>
+                  </a:lnTo>
+                  <a:lnTo>
+                    <a:pt x="185192" y="933189"/>
+                  </a:lnTo>
+                  <a:lnTo>
+                    <a:pt x="263708" y="899861"/>
+                  </a:lnTo>
+                  <a:lnTo>
+                    <a:pt x="342225" y="866533"/>
+                  </a:lnTo>
+                  <a:lnTo>
+                    <a:pt x="420741" y="833205"/>
+                  </a:lnTo>
+                  <a:lnTo>
+                    <a:pt x="499257" y="799876"/>
+                  </a:lnTo>
+                  <a:lnTo>
+                    <a:pt x="577774" y="766548"/>
+                  </a:lnTo>
+                  <a:lnTo>
+                    <a:pt x="656290" y="733220"/>
+                  </a:lnTo>
+                  <a:lnTo>
+                    <a:pt x="734806" y="699892"/>
+                  </a:lnTo>
+                  <a:lnTo>
+                    <a:pt x="813323" y="666564"/>
+                  </a:lnTo>
+                  <a:lnTo>
+                    <a:pt x="891839" y="633235"/>
+                  </a:lnTo>
+                  <a:lnTo>
+                    <a:pt x="970355" y="599907"/>
+                  </a:lnTo>
+                  <a:lnTo>
+                    <a:pt x="1048872" y="566579"/>
+                  </a:lnTo>
+                  <a:lnTo>
+                    <a:pt x="1127388" y="533251"/>
+                  </a:lnTo>
+                  <a:lnTo>
+                    <a:pt x="1205904" y="499923"/>
+                  </a:lnTo>
+                  <a:lnTo>
+                    <a:pt x="1284421" y="466594"/>
+                  </a:lnTo>
+                  <a:lnTo>
+                    <a:pt x="1362937" y="433266"/>
+                  </a:lnTo>
+                  <a:lnTo>
+                    <a:pt x="1441453" y="399938"/>
+                  </a:lnTo>
+                  <a:lnTo>
+                    <a:pt x="1519970" y="366610"/>
+                  </a:lnTo>
+                  <a:lnTo>
+                    <a:pt x="1598486" y="333282"/>
+                  </a:lnTo>
+                  <a:lnTo>
+                    <a:pt x="1677002" y="299953"/>
+                  </a:lnTo>
+                  <a:lnTo>
+                    <a:pt x="1755519" y="266625"/>
+                  </a:lnTo>
+                  <a:lnTo>
+                    <a:pt x="1834035" y="233297"/>
+                  </a:lnTo>
+                  <a:lnTo>
+                    <a:pt x="1912551" y="199969"/>
+                  </a:lnTo>
+                  <a:lnTo>
+                    <a:pt x="1991068" y="166641"/>
+                  </a:lnTo>
+                  <a:lnTo>
+                    <a:pt x="2069584" y="133312"/>
+                  </a:lnTo>
+                  <a:lnTo>
+                    <a:pt x="2148100" y="99984"/>
+                  </a:lnTo>
+                  <a:lnTo>
+                    <a:pt x="2226617" y="66656"/>
+                  </a:lnTo>
+                  <a:lnTo>
+                    <a:pt x="2305133" y="33328"/>
                   </a:lnTo>
                   <a:close/>
                 </a:path>
@@ -3755,222 +3752,216 @@
           </p:nvSpPr>
           <p:spPr>
             <a:xfrm>
-              <a:off x="3012815" y="3898173"/>
-              <a:ext cx="2473584" cy="1004286"/>
+              <a:off x="3013027" y="3986097"/>
+              <a:ext cx="2473372" cy="898129"/>
             </a:xfrm>
             <a:custGeom>
               <a:avLst/>
               <a:pathLst>
-                <a:path w="2473584" h="1004286">
+                <a:path w="2473372" h="898129">
                   <a:moveTo>
-                    <a:pt x="2473584" y="325008"/>
+                    <a:pt x="2473372" y="237085"/>
                   </a:moveTo>
                   <a:lnTo>
-                    <a:pt x="2389026" y="313801"/>
-                  </a:lnTo>
-                  <a:lnTo>
-                    <a:pt x="2304469" y="302594"/>
-                  </a:lnTo>
-                  <a:lnTo>
-                    <a:pt x="2219911" y="291387"/>
-                  </a:lnTo>
-                  <a:lnTo>
-                    <a:pt x="2135354" y="280179"/>
-                  </a:lnTo>
-                  <a:lnTo>
-                    <a:pt x="2050796" y="268972"/>
-                  </a:lnTo>
-                  <a:lnTo>
-                    <a:pt x="1966239" y="257765"/>
-                  </a:lnTo>
-                  <a:lnTo>
-                    <a:pt x="1881681" y="246558"/>
-                  </a:lnTo>
-                  <a:lnTo>
-                    <a:pt x="1797123" y="235351"/>
-                  </a:lnTo>
-                  <a:lnTo>
-                    <a:pt x="1712566" y="224143"/>
-                  </a:lnTo>
-                  <a:lnTo>
-                    <a:pt x="1628008" y="212936"/>
-                  </a:lnTo>
-                  <a:lnTo>
-                    <a:pt x="1543451" y="201729"/>
-                  </a:lnTo>
-                  <a:lnTo>
-                    <a:pt x="1458893" y="190522"/>
-                  </a:lnTo>
-                  <a:lnTo>
-                    <a:pt x="1374336" y="179315"/>
-                  </a:lnTo>
-                  <a:lnTo>
-                    <a:pt x="1289778" y="168107"/>
-                  </a:lnTo>
-                  <a:lnTo>
-                    <a:pt x="1205220" y="156900"/>
-                  </a:lnTo>
-                  <a:lnTo>
-                    <a:pt x="1120663" y="145693"/>
-                  </a:lnTo>
-                  <a:lnTo>
-                    <a:pt x="1036105" y="134486"/>
-                  </a:lnTo>
-                  <a:lnTo>
-                    <a:pt x="951548" y="123279"/>
-                  </a:lnTo>
-                  <a:lnTo>
-                    <a:pt x="866990" y="112071"/>
-                  </a:lnTo>
-                  <a:lnTo>
-                    <a:pt x="782433" y="100864"/>
-                  </a:lnTo>
-                  <a:lnTo>
-                    <a:pt x="697875" y="89657"/>
-                  </a:lnTo>
-                  <a:lnTo>
-                    <a:pt x="613317" y="78450"/>
-                  </a:lnTo>
-                  <a:lnTo>
-                    <a:pt x="528760" y="67243"/>
-                  </a:lnTo>
-                  <a:lnTo>
-                    <a:pt x="444202" y="56035"/>
-                  </a:lnTo>
-                  <a:lnTo>
-                    <a:pt x="359645" y="44828"/>
-                  </a:lnTo>
-                  <a:lnTo>
-                    <a:pt x="275087" y="33621"/>
-                  </a:lnTo>
-                  <a:lnTo>
-                    <a:pt x="190530" y="22414"/>
-                  </a:lnTo>
-                  <a:lnTo>
-                    <a:pt x="105972" y="11207"/>
-                  </a:lnTo>
-                  <a:lnTo>
-                    <a:pt x="21414" y="0"/>
-                  </a:lnTo>
-                  <a:lnTo>
-                    <a:pt x="11744" y="83946"/>
-                  </a:lnTo>
-                  <a:lnTo>
-                    <a:pt x="4947" y="168174"/>
-                  </a:lnTo>
-                  <a:lnTo>
-                    <a:pt x="1030" y="252585"/>
-                  </a:lnTo>
-                  <a:lnTo>
-                    <a:pt x="0" y="337080"/>
-                  </a:lnTo>
-                  <a:lnTo>
-                    <a:pt x="1855" y="421562"/>
-                  </a:lnTo>
-                  <a:lnTo>
-                    <a:pt x="6595" y="505930"/>
-                  </a:lnTo>
-                  <a:lnTo>
-                    <a:pt x="14214" y="590088"/>
-                  </a:lnTo>
-                  <a:lnTo>
-                    <a:pt x="24704" y="673936"/>
-                  </a:lnTo>
-                  <a:lnTo>
-                    <a:pt x="38051" y="757377"/>
-                  </a:lnTo>
-                  <a:lnTo>
-                    <a:pt x="54240" y="840313"/>
-                  </a:lnTo>
-                  <a:lnTo>
-                    <a:pt x="73252" y="922649"/>
-                  </a:lnTo>
-                  <a:lnTo>
-                    <a:pt x="95066" y="1004286"/>
-                  </a:lnTo>
-                  <a:lnTo>
-                    <a:pt x="177084" y="980863"/>
-                  </a:lnTo>
-                  <a:lnTo>
-                    <a:pt x="259102" y="957439"/>
-                  </a:lnTo>
-                  <a:lnTo>
-                    <a:pt x="341120" y="934016"/>
-                  </a:lnTo>
-                  <a:lnTo>
-                    <a:pt x="423138" y="910593"/>
-                  </a:lnTo>
-                  <a:lnTo>
-                    <a:pt x="505155" y="887169"/>
-                  </a:lnTo>
-                  <a:lnTo>
-                    <a:pt x="587173" y="863746"/>
-                  </a:lnTo>
-                  <a:lnTo>
-                    <a:pt x="669191" y="840322"/>
-                  </a:lnTo>
-                  <a:lnTo>
-                    <a:pt x="751209" y="816899"/>
-                  </a:lnTo>
-                  <a:lnTo>
-                    <a:pt x="833227" y="793476"/>
-                  </a:lnTo>
-                  <a:lnTo>
-                    <a:pt x="915245" y="770052"/>
-                  </a:lnTo>
-                  <a:lnTo>
-                    <a:pt x="997263" y="746629"/>
-                  </a:lnTo>
-                  <a:lnTo>
-                    <a:pt x="1079280" y="723206"/>
-                  </a:lnTo>
-                  <a:lnTo>
-                    <a:pt x="1161298" y="699782"/>
-                  </a:lnTo>
-                  <a:lnTo>
-                    <a:pt x="1243316" y="676359"/>
-                  </a:lnTo>
-                  <a:lnTo>
-                    <a:pt x="1325334" y="652935"/>
-                  </a:lnTo>
-                  <a:lnTo>
-                    <a:pt x="1407352" y="629512"/>
-                  </a:lnTo>
-                  <a:lnTo>
-                    <a:pt x="1489370" y="606089"/>
-                  </a:lnTo>
-                  <a:lnTo>
-                    <a:pt x="1571388" y="582665"/>
-                  </a:lnTo>
-                  <a:lnTo>
-                    <a:pt x="1653405" y="559242"/>
-                  </a:lnTo>
-                  <a:lnTo>
-                    <a:pt x="1735423" y="535819"/>
-                  </a:lnTo>
-                  <a:lnTo>
-                    <a:pt x="1817441" y="512395"/>
-                  </a:lnTo>
-                  <a:lnTo>
-                    <a:pt x="1899459" y="488972"/>
-                  </a:lnTo>
-                  <a:lnTo>
-                    <a:pt x="1981477" y="465548"/>
-                  </a:lnTo>
-                  <a:lnTo>
-                    <a:pt x="2063495" y="442125"/>
-                  </a:lnTo>
-                  <a:lnTo>
-                    <a:pt x="2145513" y="418702"/>
-                  </a:lnTo>
-                  <a:lnTo>
-                    <a:pt x="2227530" y="395278"/>
-                  </a:lnTo>
-                  <a:lnTo>
-                    <a:pt x="2309548" y="371855"/>
-                  </a:lnTo>
-                  <a:lnTo>
-                    <a:pt x="2391566" y="348431"/>
+                    <a:pt x="2388468" y="228910"/>
+                  </a:lnTo>
+                  <a:lnTo>
+                    <a:pt x="2303564" y="220734"/>
+                  </a:lnTo>
+                  <a:lnTo>
+                    <a:pt x="2218659" y="212559"/>
+                  </a:lnTo>
+                  <a:lnTo>
+                    <a:pt x="2133755" y="204383"/>
+                  </a:lnTo>
+                  <a:lnTo>
+                    <a:pt x="2048851" y="196208"/>
+                  </a:lnTo>
+                  <a:lnTo>
+                    <a:pt x="1963946" y="188033"/>
+                  </a:lnTo>
+                  <a:lnTo>
+                    <a:pt x="1879042" y="179857"/>
+                  </a:lnTo>
+                  <a:lnTo>
+                    <a:pt x="1794138" y="171682"/>
+                  </a:lnTo>
+                  <a:lnTo>
+                    <a:pt x="1709233" y="163507"/>
+                  </a:lnTo>
+                  <a:lnTo>
+                    <a:pt x="1624329" y="155331"/>
+                  </a:lnTo>
+                  <a:lnTo>
+                    <a:pt x="1539425" y="147156"/>
+                  </a:lnTo>
+                  <a:lnTo>
+                    <a:pt x="1454520" y="138981"/>
+                  </a:lnTo>
+                  <a:lnTo>
+                    <a:pt x="1369616" y="130805"/>
+                  </a:lnTo>
+                  <a:lnTo>
+                    <a:pt x="1284712" y="122630"/>
+                  </a:lnTo>
+                  <a:lnTo>
+                    <a:pt x="1199807" y="114455"/>
+                  </a:lnTo>
+                  <a:lnTo>
+                    <a:pt x="1114903" y="106279"/>
+                  </a:lnTo>
+                  <a:lnTo>
+                    <a:pt x="1029999" y="98104"/>
+                  </a:lnTo>
+                  <a:lnTo>
+                    <a:pt x="945094" y="89928"/>
+                  </a:lnTo>
+                  <a:lnTo>
+                    <a:pt x="860190" y="81753"/>
+                  </a:lnTo>
+                  <a:lnTo>
+                    <a:pt x="775285" y="73578"/>
+                  </a:lnTo>
+                  <a:lnTo>
+                    <a:pt x="690381" y="65402"/>
+                  </a:lnTo>
+                  <a:lnTo>
+                    <a:pt x="605477" y="57227"/>
+                  </a:lnTo>
+                  <a:lnTo>
+                    <a:pt x="520572" y="49052"/>
+                  </a:lnTo>
+                  <a:lnTo>
+                    <a:pt x="435668" y="40876"/>
+                  </a:lnTo>
+                  <a:lnTo>
+                    <a:pt x="350764" y="32701"/>
+                  </a:lnTo>
+                  <a:lnTo>
+                    <a:pt x="265859" y="24526"/>
+                  </a:lnTo>
+                  <a:lnTo>
+                    <a:pt x="180955" y="16350"/>
+                  </a:lnTo>
+                  <a:lnTo>
+                    <a:pt x="96051" y="8175"/>
+                  </a:lnTo>
+                  <a:lnTo>
+                    <a:pt x="11146" y="0"/>
+                  </a:lnTo>
+                  <a:lnTo>
+                    <a:pt x="4112" y="90384"/>
+                  </a:lnTo>
+                  <a:lnTo>
+                    <a:pt x="395" y="180965"/>
+                  </a:lnTo>
+                  <a:lnTo>
+                    <a:pt x="0" y="271622"/>
+                  </a:lnTo>
+                  <a:lnTo>
+                    <a:pt x="2926" y="362232"/>
+                  </a:lnTo>
+                  <a:lnTo>
+                    <a:pt x="9171" y="452675"/>
+                  </a:lnTo>
+                  <a:lnTo>
+                    <a:pt x="18726" y="542827"/>
+                  </a:lnTo>
+                  <a:lnTo>
+                    <a:pt x="31578" y="632569"/>
+                  </a:lnTo>
+                  <a:lnTo>
+                    <a:pt x="47710" y="721780"/>
+                  </a:lnTo>
+                  <a:lnTo>
+                    <a:pt x="67100" y="810340"/>
+                  </a:lnTo>
+                  <a:lnTo>
+                    <a:pt x="89723" y="898129"/>
+                  </a:lnTo>
+                  <a:lnTo>
+                    <a:pt x="171917" y="875335"/>
+                  </a:lnTo>
+                  <a:lnTo>
+                    <a:pt x="254112" y="852540"/>
+                  </a:lnTo>
+                  <a:lnTo>
+                    <a:pt x="336307" y="829746"/>
+                  </a:lnTo>
+                  <a:lnTo>
+                    <a:pt x="418502" y="806951"/>
+                  </a:lnTo>
+                  <a:lnTo>
+                    <a:pt x="500697" y="784156"/>
+                  </a:lnTo>
+                  <a:lnTo>
+                    <a:pt x="582892" y="761362"/>
+                  </a:lnTo>
+                  <a:lnTo>
+                    <a:pt x="665086" y="738567"/>
+                  </a:lnTo>
+                  <a:lnTo>
+                    <a:pt x="747281" y="715772"/>
+                  </a:lnTo>
+                  <a:lnTo>
+                    <a:pt x="829476" y="692978"/>
+                  </a:lnTo>
+                  <a:lnTo>
+                    <a:pt x="911671" y="670183"/>
+                  </a:lnTo>
+                  <a:lnTo>
+                    <a:pt x="993866" y="647388"/>
+                  </a:lnTo>
+                  <a:lnTo>
+                    <a:pt x="1076060" y="624594"/>
+                  </a:lnTo>
+                  <a:lnTo>
+                    <a:pt x="1158255" y="601799"/>
+                  </a:lnTo>
+                  <a:lnTo>
+                    <a:pt x="1240450" y="579004"/>
+                  </a:lnTo>
+                  <a:lnTo>
+                    <a:pt x="1322645" y="556210"/>
+                  </a:lnTo>
+                  <a:lnTo>
+                    <a:pt x="1404840" y="533415"/>
+                  </a:lnTo>
+                  <a:lnTo>
+                    <a:pt x="1487035" y="510621"/>
+                  </a:lnTo>
+                  <a:lnTo>
+                    <a:pt x="1569229" y="487826"/>
+                  </a:lnTo>
+                  <a:lnTo>
+                    <a:pt x="1651424" y="465031"/>
+                  </a:lnTo>
+                  <a:lnTo>
+                    <a:pt x="1733619" y="442237"/>
+                  </a:lnTo>
+                  <a:lnTo>
+                    <a:pt x="1815814" y="419442"/>
+                  </a:lnTo>
+                  <a:lnTo>
+                    <a:pt x="1898009" y="396647"/>
+                  </a:lnTo>
+                  <a:lnTo>
+                    <a:pt x="1980203" y="373853"/>
+                  </a:lnTo>
+                  <a:lnTo>
+                    <a:pt x="2062398" y="351058"/>
+                  </a:lnTo>
+                  <a:lnTo>
+                    <a:pt x="2144593" y="328263"/>
+                  </a:lnTo>
+                  <a:lnTo>
+                    <a:pt x="2226788" y="305469"/>
+                  </a:lnTo>
+                  <a:lnTo>
+                    <a:pt x="2308983" y="282674"/>
+                  </a:lnTo>
+                  <a:lnTo>
+                    <a:pt x="2391177" y="259880"/>
                   </a:lnTo>
                   <a:close/>
                 </a:path>
@@ -4005,249 +3996,252 @@
           </p:nvSpPr>
           <p:spPr>
             <a:xfrm>
-              <a:off x="3034230" y="2349137"/>
-              <a:ext cx="2452169" cy="1874045"/>
+              <a:off x="3024174" y="2370555"/>
+              <a:ext cx="2462225" cy="1852627"/>
             </a:xfrm>
             <a:custGeom>
               <a:avLst/>
               <a:pathLst>
-                <a:path w="2452169" h="1874045">
+                <a:path w="2462225" h="1852627">
                   <a:moveTo>
-                    <a:pt x="2452169" y="1874045"/>
+                    <a:pt x="2462225" y="1852627"/>
                   </a:moveTo>
                   <a:lnTo>
-                    <a:pt x="2396495" y="1809423"/>
-                  </a:lnTo>
-                  <a:lnTo>
-                    <a:pt x="2340822" y="1744800"/>
-                  </a:lnTo>
-                  <a:lnTo>
-                    <a:pt x="2285148" y="1680178"/>
-                  </a:lnTo>
-                  <a:lnTo>
-                    <a:pt x="2229475" y="1615556"/>
-                  </a:lnTo>
-                  <a:lnTo>
-                    <a:pt x="2173801" y="1550934"/>
-                  </a:lnTo>
-                  <a:lnTo>
-                    <a:pt x="2118127" y="1486311"/>
-                  </a:lnTo>
-                  <a:lnTo>
-                    <a:pt x="2062454" y="1421689"/>
-                  </a:lnTo>
-                  <a:lnTo>
-                    <a:pt x="2006780" y="1357067"/>
-                  </a:lnTo>
-                  <a:lnTo>
-                    <a:pt x="1951107" y="1292445"/>
-                  </a:lnTo>
-                  <a:lnTo>
-                    <a:pt x="1895433" y="1227822"/>
-                  </a:lnTo>
-                  <a:lnTo>
-                    <a:pt x="1839760" y="1163200"/>
-                  </a:lnTo>
-                  <a:lnTo>
-                    <a:pt x="1784086" y="1098578"/>
-                  </a:lnTo>
-                  <a:lnTo>
-                    <a:pt x="1728412" y="1033956"/>
-                  </a:lnTo>
-                  <a:lnTo>
-                    <a:pt x="1672739" y="969333"/>
-                  </a:lnTo>
-                  <a:lnTo>
-                    <a:pt x="1617065" y="904711"/>
-                  </a:lnTo>
-                  <a:lnTo>
-                    <a:pt x="1561392" y="840089"/>
-                  </a:lnTo>
-                  <a:lnTo>
-                    <a:pt x="1505718" y="775467"/>
-                  </a:lnTo>
-                  <a:lnTo>
-                    <a:pt x="1450044" y="710844"/>
-                  </a:lnTo>
-                  <a:lnTo>
-                    <a:pt x="1394371" y="646222"/>
-                  </a:lnTo>
-                  <a:lnTo>
-                    <a:pt x="1338697" y="581600"/>
-                  </a:lnTo>
-                  <a:lnTo>
-                    <a:pt x="1283024" y="516978"/>
-                  </a:lnTo>
-                  <a:lnTo>
-                    <a:pt x="1227350" y="452355"/>
-                  </a:lnTo>
-                  <a:lnTo>
-                    <a:pt x="1171676" y="387733"/>
-                  </a:lnTo>
-                  <a:lnTo>
-                    <a:pt x="1116003" y="323111"/>
-                  </a:lnTo>
-                  <a:lnTo>
-                    <a:pt x="1060329" y="258489"/>
-                  </a:lnTo>
-                  <a:lnTo>
-                    <a:pt x="1004656" y="193866"/>
-                  </a:lnTo>
-                  <a:lnTo>
-                    <a:pt x="948982" y="129244"/>
-                  </a:lnTo>
-                  <a:lnTo>
-                    <a:pt x="893309" y="64622"/>
-                  </a:lnTo>
-                  <a:lnTo>
-                    <a:pt x="837635" y="0"/>
-                  </a:lnTo>
-                  <a:lnTo>
-                    <a:pt x="773662" y="57075"/>
-                  </a:lnTo>
-                  <a:lnTo>
-                    <a:pt x="711705" y="116333"/>
-                  </a:lnTo>
-                  <a:lnTo>
-                    <a:pt x="651838" y="177703"/>
-                  </a:lnTo>
-                  <a:lnTo>
-                    <a:pt x="594135" y="241111"/>
-                  </a:lnTo>
-                  <a:lnTo>
-                    <a:pt x="538663" y="306480"/>
-                  </a:lnTo>
-                  <a:lnTo>
-                    <a:pt x="485490" y="373732"/>
-                  </a:lnTo>
-                  <a:lnTo>
-                    <a:pt x="434679" y="442786"/>
-                  </a:lnTo>
-                  <a:lnTo>
-                    <a:pt x="386292" y="513560"/>
-                  </a:lnTo>
-                  <a:lnTo>
-                    <a:pt x="340387" y="585968"/>
-                  </a:lnTo>
-                  <a:lnTo>
-                    <a:pt x="297018" y="659923"/>
-                  </a:lnTo>
-                  <a:lnTo>
-                    <a:pt x="256239" y="735337"/>
-                  </a:lnTo>
-                  <a:lnTo>
-                    <a:pt x="218097" y="812118"/>
-                  </a:lnTo>
-                  <a:lnTo>
-                    <a:pt x="182639" y="890176"/>
-                  </a:lnTo>
-                  <a:lnTo>
-                    <a:pt x="149907" y="969415"/>
-                  </a:lnTo>
-                  <a:lnTo>
-                    <a:pt x="119941" y="1049741"/>
-                  </a:lnTo>
-                  <a:lnTo>
-                    <a:pt x="92776" y="1131057"/>
-                  </a:lnTo>
-                  <a:lnTo>
-                    <a:pt x="68446" y="1213265"/>
-                  </a:lnTo>
-                  <a:lnTo>
-                    <a:pt x="46979" y="1296268"/>
-                  </a:lnTo>
-                  <a:lnTo>
-                    <a:pt x="28401" y="1379964"/>
-                  </a:lnTo>
-                  <a:lnTo>
-                    <a:pt x="12735" y="1464254"/>
-                  </a:lnTo>
-                  <a:lnTo>
-                    <a:pt x="0" y="1549036"/>
-                  </a:lnTo>
-                  <a:lnTo>
-                    <a:pt x="84557" y="1560243"/>
-                  </a:lnTo>
-                  <a:lnTo>
-                    <a:pt x="169115" y="1571451"/>
-                  </a:lnTo>
-                  <a:lnTo>
-                    <a:pt x="253672" y="1582658"/>
-                  </a:lnTo>
-                  <a:lnTo>
-                    <a:pt x="338230" y="1593865"/>
-                  </a:lnTo>
-                  <a:lnTo>
-                    <a:pt x="422787" y="1605072"/>
-                  </a:lnTo>
-                  <a:lnTo>
-                    <a:pt x="507345" y="1616279"/>
-                  </a:lnTo>
-                  <a:lnTo>
-                    <a:pt x="591902" y="1627486"/>
-                  </a:lnTo>
-                  <a:lnTo>
-                    <a:pt x="676460" y="1638694"/>
-                  </a:lnTo>
-                  <a:lnTo>
-                    <a:pt x="761018" y="1649901"/>
-                  </a:lnTo>
-                  <a:lnTo>
-                    <a:pt x="845575" y="1661108"/>
-                  </a:lnTo>
-                  <a:lnTo>
-                    <a:pt x="930133" y="1672315"/>
-                  </a:lnTo>
-                  <a:lnTo>
-                    <a:pt x="1014690" y="1683522"/>
-                  </a:lnTo>
-                  <a:lnTo>
-                    <a:pt x="1099248" y="1694730"/>
-                  </a:lnTo>
-                  <a:lnTo>
-                    <a:pt x="1183805" y="1705937"/>
-                  </a:lnTo>
-                  <a:lnTo>
-                    <a:pt x="1268363" y="1717144"/>
-                  </a:lnTo>
-                  <a:lnTo>
-                    <a:pt x="1352921" y="1728351"/>
-                  </a:lnTo>
-                  <a:lnTo>
-                    <a:pt x="1437478" y="1739558"/>
-                  </a:lnTo>
-                  <a:lnTo>
-                    <a:pt x="1522036" y="1750766"/>
-                  </a:lnTo>
-                  <a:lnTo>
-                    <a:pt x="1606593" y="1761973"/>
-                  </a:lnTo>
-                  <a:lnTo>
-                    <a:pt x="1691151" y="1773180"/>
-                  </a:lnTo>
-                  <a:lnTo>
-                    <a:pt x="1775708" y="1784387"/>
-                  </a:lnTo>
-                  <a:lnTo>
-                    <a:pt x="1860266" y="1795594"/>
-                  </a:lnTo>
-                  <a:lnTo>
-                    <a:pt x="1944824" y="1806802"/>
-                  </a:lnTo>
-                  <a:lnTo>
-                    <a:pt x="2029381" y="1818009"/>
-                  </a:lnTo>
-                  <a:lnTo>
-                    <a:pt x="2113939" y="1829216"/>
-                  </a:lnTo>
-                  <a:lnTo>
-                    <a:pt x="2198496" y="1840423"/>
-                  </a:lnTo>
-                  <a:lnTo>
-                    <a:pt x="2283054" y="1851630"/>
-                  </a:lnTo>
-                  <a:lnTo>
-                    <a:pt x="2367611" y="1862838"/>
+                    <a:pt x="2405706" y="1788743"/>
+                  </a:lnTo>
+                  <a:lnTo>
+                    <a:pt x="2349186" y="1724859"/>
+                  </a:lnTo>
+                  <a:lnTo>
+                    <a:pt x="2292667" y="1660976"/>
+                  </a:lnTo>
+                  <a:lnTo>
+                    <a:pt x="2236147" y="1597092"/>
+                  </a:lnTo>
+                  <a:lnTo>
+                    <a:pt x="2179628" y="1533208"/>
+                  </a:lnTo>
+                  <a:lnTo>
+                    <a:pt x="2123108" y="1469325"/>
+                  </a:lnTo>
+                  <a:lnTo>
+                    <a:pt x="2066589" y="1405441"/>
+                  </a:lnTo>
+                  <a:lnTo>
+                    <a:pt x="2010069" y="1341557"/>
+                  </a:lnTo>
+                  <a:lnTo>
+                    <a:pt x="1953550" y="1277674"/>
+                  </a:lnTo>
+                  <a:lnTo>
+                    <a:pt x="1897030" y="1213790"/>
+                  </a:lnTo>
+                  <a:lnTo>
+                    <a:pt x="1840511" y="1149906"/>
+                  </a:lnTo>
+                  <a:lnTo>
+                    <a:pt x="1783991" y="1086022"/>
+                  </a:lnTo>
+                  <a:lnTo>
+                    <a:pt x="1727472" y="1022139"/>
+                  </a:lnTo>
+                  <a:lnTo>
+                    <a:pt x="1670952" y="958255"/>
+                  </a:lnTo>
+                  <a:lnTo>
+                    <a:pt x="1614433" y="894371"/>
+                  </a:lnTo>
+                  <a:lnTo>
+                    <a:pt x="1557913" y="830488"/>
+                  </a:lnTo>
+                  <a:lnTo>
+                    <a:pt x="1501394" y="766604"/>
+                  </a:lnTo>
+                  <a:lnTo>
+                    <a:pt x="1444874" y="702720"/>
+                  </a:lnTo>
+                  <a:lnTo>
+                    <a:pt x="1388354" y="638837"/>
+                  </a:lnTo>
+                  <a:lnTo>
+                    <a:pt x="1331835" y="574953"/>
+                  </a:lnTo>
+                  <a:lnTo>
+                    <a:pt x="1275315" y="511069"/>
+                  </a:lnTo>
+                  <a:lnTo>
+                    <a:pt x="1218796" y="447185"/>
+                  </a:lnTo>
+                  <a:lnTo>
+                    <a:pt x="1162276" y="383302"/>
+                  </a:lnTo>
+                  <a:lnTo>
+                    <a:pt x="1105757" y="319418"/>
+                  </a:lnTo>
+                  <a:lnTo>
+                    <a:pt x="1049237" y="255534"/>
+                  </a:lnTo>
+                  <a:lnTo>
+                    <a:pt x="992718" y="191651"/>
+                  </a:lnTo>
+                  <a:lnTo>
+                    <a:pt x="936198" y="127767"/>
+                  </a:lnTo>
+                  <a:lnTo>
+                    <a:pt x="879679" y="63883"/>
+                  </a:lnTo>
+                  <a:lnTo>
+                    <a:pt x="823159" y="0"/>
+                  </a:lnTo>
+                  <a:lnTo>
+                    <a:pt x="760926" y="56980"/>
+                  </a:lnTo>
+                  <a:lnTo>
+                    <a:pt x="700672" y="116051"/>
+                  </a:lnTo>
+                  <a:lnTo>
+                    <a:pt x="642468" y="177142"/>
+                  </a:lnTo>
+                  <a:lnTo>
+                    <a:pt x="586382" y="240182"/>
+                  </a:lnTo>
+                  <a:lnTo>
+                    <a:pt x="532478" y="305099"/>
+                  </a:lnTo>
+                  <a:lnTo>
+                    <a:pt x="480820" y="371817"/>
+                  </a:lnTo>
+                  <a:lnTo>
+                    <a:pt x="431467" y="440257"/>
+                  </a:lnTo>
+                  <a:lnTo>
+                    <a:pt x="384478" y="510341"/>
+                  </a:lnTo>
+                  <a:lnTo>
+                    <a:pt x="339906" y="581987"/>
+                  </a:lnTo>
+                  <a:lnTo>
+                    <a:pt x="297803" y="655112"/>
+                  </a:lnTo>
+                  <a:lnTo>
+                    <a:pt x="258219" y="729630"/>
+                  </a:lnTo>
+                  <a:lnTo>
+                    <a:pt x="221200" y="805454"/>
+                  </a:lnTo>
+                  <a:lnTo>
+                    <a:pt x="186788" y="882497"/>
+                  </a:lnTo>
+                  <a:lnTo>
+                    <a:pt x="155024" y="960669"/>
+                  </a:lnTo>
+                  <a:lnTo>
+                    <a:pt x="125945" y="1039879"/>
+                  </a:lnTo>
+                  <a:lnTo>
+                    <a:pt x="99584" y="1120035"/>
+                  </a:lnTo>
+                  <a:lnTo>
+                    <a:pt x="75972" y="1201043"/>
+                  </a:lnTo>
+                  <a:lnTo>
+                    <a:pt x="55137" y="1282809"/>
+                  </a:lnTo>
+                  <a:lnTo>
+                    <a:pt x="37103" y="1365238"/>
+                  </a:lnTo>
+                  <a:lnTo>
+                    <a:pt x="21891" y="1448234"/>
+                  </a:lnTo>
+                  <a:lnTo>
+                    <a:pt x="9518" y="1531701"/>
+                  </a:lnTo>
+                  <a:lnTo>
+                    <a:pt x="0" y="1615541"/>
+                  </a:lnTo>
+                  <a:lnTo>
+                    <a:pt x="84904" y="1623717"/>
+                  </a:lnTo>
+                  <a:lnTo>
+                    <a:pt x="169808" y="1631892"/>
+                  </a:lnTo>
+                  <a:lnTo>
+                    <a:pt x="254713" y="1640067"/>
+                  </a:lnTo>
+                  <a:lnTo>
+                    <a:pt x="339617" y="1648243"/>
+                  </a:lnTo>
+                  <a:lnTo>
+                    <a:pt x="424521" y="1656418"/>
+                  </a:lnTo>
+                  <a:lnTo>
+                    <a:pt x="509426" y="1664594"/>
+                  </a:lnTo>
+                  <a:lnTo>
+                    <a:pt x="594330" y="1672769"/>
+                  </a:lnTo>
+                  <a:lnTo>
+                    <a:pt x="679234" y="1680944"/>
+                  </a:lnTo>
+                  <a:lnTo>
+                    <a:pt x="764139" y="1689120"/>
+                  </a:lnTo>
+                  <a:lnTo>
+                    <a:pt x="849043" y="1697295"/>
+                  </a:lnTo>
+                  <a:lnTo>
+                    <a:pt x="933947" y="1705470"/>
+                  </a:lnTo>
+                  <a:lnTo>
+                    <a:pt x="1018852" y="1713646"/>
+                  </a:lnTo>
+                  <a:lnTo>
+                    <a:pt x="1103756" y="1721821"/>
+                  </a:lnTo>
+                  <a:lnTo>
+                    <a:pt x="1188660" y="1729996"/>
+                  </a:lnTo>
+                  <a:lnTo>
+                    <a:pt x="1273565" y="1738172"/>
+                  </a:lnTo>
+                  <a:lnTo>
+                    <a:pt x="1358469" y="1746347"/>
+                  </a:lnTo>
+                  <a:lnTo>
+                    <a:pt x="1443373" y="1754523"/>
+                  </a:lnTo>
+                  <a:lnTo>
+                    <a:pt x="1528278" y="1762698"/>
+                  </a:lnTo>
+                  <a:lnTo>
+                    <a:pt x="1613182" y="1770873"/>
+                  </a:lnTo>
+                  <a:lnTo>
+                    <a:pt x="1698086" y="1779049"/>
+                  </a:lnTo>
+                  <a:lnTo>
+                    <a:pt x="1782991" y="1787224"/>
+                  </a:lnTo>
+                  <a:lnTo>
+                    <a:pt x="1867895" y="1795399"/>
+                  </a:lnTo>
+                  <a:lnTo>
+                    <a:pt x="1952799" y="1803575"/>
+                  </a:lnTo>
+                  <a:lnTo>
+                    <a:pt x="2037704" y="1811750"/>
+                  </a:lnTo>
+                  <a:lnTo>
+                    <a:pt x="2122608" y="1819925"/>
+                  </a:lnTo>
+                  <a:lnTo>
+                    <a:pt x="2207512" y="1828101"/>
+                  </a:lnTo>
+                  <a:lnTo>
+                    <a:pt x="2292417" y="1836276"/>
+                  </a:lnTo>
+                  <a:lnTo>
+                    <a:pt x="2377321" y="1844451"/>
                   </a:lnTo>
                   <a:close/>
                 </a:path>
@@ -4282,249 +4276,249 @@
           </p:nvSpPr>
           <p:spPr>
             <a:xfrm>
-              <a:off x="3871865" y="1749568"/>
-              <a:ext cx="1614534" cy="2473613"/>
+              <a:off x="3847333" y="1749568"/>
+              <a:ext cx="1639066" cy="2473613"/>
             </a:xfrm>
             <a:custGeom>
               <a:avLst/>
               <a:pathLst>
-                <a:path w="1614534" h="2473613">
+                <a:path w="1639066" h="2473613">
                   <a:moveTo>
-                    <a:pt x="1614534" y="2473613"/>
+                    <a:pt x="1639066" y="2473613"/>
                   </a:moveTo>
                   <a:lnTo>
-                    <a:pt x="1614534" y="2388316"/>
-                  </a:lnTo>
-                  <a:lnTo>
-                    <a:pt x="1614534" y="2303019"/>
-                  </a:lnTo>
-                  <a:lnTo>
-                    <a:pt x="1614534" y="2217722"/>
-                  </a:lnTo>
-                  <a:lnTo>
-                    <a:pt x="1614534" y="2132425"/>
-                  </a:lnTo>
-                  <a:lnTo>
-                    <a:pt x="1614534" y="2047128"/>
-                  </a:lnTo>
-                  <a:lnTo>
-                    <a:pt x="1614534" y="1961831"/>
-                  </a:lnTo>
-                  <a:lnTo>
-                    <a:pt x="1614534" y="1876534"/>
-                  </a:lnTo>
-                  <a:lnTo>
-                    <a:pt x="1614534" y="1791237"/>
-                  </a:lnTo>
-                  <a:lnTo>
-                    <a:pt x="1614534" y="1705940"/>
-                  </a:lnTo>
-                  <a:lnTo>
-                    <a:pt x="1614534" y="1620643"/>
-                  </a:lnTo>
-                  <a:lnTo>
-                    <a:pt x="1614534" y="1535346"/>
-                  </a:lnTo>
-                  <a:lnTo>
-                    <a:pt x="1614534" y="1450049"/>
-                  </a:lnTo>
-                  <a:lnTo>
-                    <a:pt x="1614534" y="1364752"/>
-                  </a:lnTo>
-                  <a:lnTo>
-                    <a:pt x="1614534" y="1279455"/>
-                  </a:lnTo>
-                  <a:lnTo>
-                    <a:pt x="1614534" y="1194158"/>
-                  </a:lnTo>
-                  <a:lnTo>
-                    <a:pt x="1614534" y="1108861"/>
-                  </a:lnTo>
-                  <a:lnTo>
-                    <a:pt x="1614534" y="1023564"/>
-                  </a:lnTo>
-                  <a:lnTo>
-                    <a:pt x="1614534" y="938267"/>
-                  </a:lnTo>
-                  <a:lnTo>
-                    <a:pt x="1614534" y="852970"/>
-                  </a:lnTo>
-                  <a:lnTo>
-                    <a:pt x="1614534" y="767673"/>
-                  </a:lnTo>
-                  <a:lnTo>
-                    <a:pt x="1614534" y="682376"/>
-                  </a:lnTo>
-                  <a:lnTo>
-                    <a:pt x="1614534" y="597079"/>
-                  </a:lnTo>
-                  <a:lnTo>
-                    <a:pt x="1614534" y="511782"/>
-                  </a:lnTo>
-                  <a:lnTo>
-                    <a:pt x="1614534" y="426485"/>
-                  </a:lnTo>
-                  <a:lnTo>
-                    <a:pt x="1614534" y="341188"/>
-                  </a:lnTo>
-                  <a:lnTo>
-                    <a:pt x="1614534" y="255891"/>
-                  </a:lnTo>
-                  <a:lnTo>
-                    <a:pt x="1614534" y="170594"/>
-                  </a:lnTo>
-                  <a:lnTo>
-                    <a:pt x="1614534" y="85297"/>
-                  </a:lnTo>
-                  <a:lnTo>
-                    <a:pt x="1614534" y="0"/>
-                  </a:lnTo>
-                  <a:lnTo>
-                    <a:pt x="1530783" y="1418"/>
-                  </a:lnTo>
-                  <a:lnTo>
-                    <a:pt x="1447128" y="5671"/>
-                  </a:lnTo>
-                  <a:lnTo>
-                    <a:pt x="1363665" y="12754"/>
-                  </a:lnTo>
-                  <a:lnTo>
-                    <a:pt x="1280490" y="22658"/>
-                  </a:lnTo>
-                  <a:lnTo>
-                    <a:pt x="1197698" y="35373"/>
-                  </a:lnTo>
-                  <a:lnTo>
-                    <a:pt x="1115384" y="50884"/>
-                  </a:lnTo>
-                  <a:lnTo>
-                    <a:pt x="1033643" y="69173"/>
-                  </a:lnTo>
-                  <a:lnTo>
-                    <a:pt x="952567" y="90220"/>
-                  </a:lnTo>
-                  <a:lnTo>
-                    <a:pt x="872251" y="113999"/>
-                  </a:lnTo>
-                  <a:lnTo>
-                    <a:pt x="792785" y="140483"/>
-                  </a:lnTo>
-                  <a:lnTo>
-                    <a:pt x="714262" y="169644"/>
-                  </a:lnTo>
-                  <a:lnTo>
-                    <a:pt x="636771" y="201446"/>
-                  </a:lnTo>
-                  <a:lnTo>
-                    <a:pt x="560402" y="235853"/>
-                  </a:lnTo>
-                  <a:lnTo>
-                    <a:pt x="485241" y="272826"/>
-                  </a:lnTo>
-                  <a:lnTo>
-                    <a:pt x="411375" y="312323"/>
-                  </a:lnTo>
-                  <a:lnTo>
-                    <a:pt x="338888" y="354299"/>
-                  </a:lnTo>
-                  <a:lnTo>
-                    <a:pt x="267865" y="398704"/>
-                  </a:lnTo>
-                  <a:lnTo>
-                    <a:pt x="198385" y="445489"/>
-                  </a:lnTo>
-                  <a:lnTo>
-                    <a:pt x="130530" y="494599"/>
-                  </a:lnTo>
-                  <a:lnTo>
-                    <a:pt x="64376" y="545978"/>
-                  </a:lnTo>
-                  <a:lnTo>
-                    <a:pt x="0" y="599568"/>
-                  </a:lnTo>
-                  <a:lnTo>
-                    <a:pt x="55673" y="664190"/>
-                  </a:lnTo>
-                  <a:lnTo>
-                    <a:pt x="111347" y="728813"/>
-                  </a:lnTo>
-                  <a:lnTo>
-                    <a:pt x="167020" y="793435"/>
-                  </a:lnTo>
-                  <a:lnTo>
-                    <a:pt x="222694" y="858057"/>
-                  </a:lnTo>
-                  <a:lnTo>
-                    <a:pt x="278367" y="922679"/>
-                  </a:lnTo>
-                  <a:lnTo>
-                    <a:pt x="334041" y="987302"/>
-                  </a:lnTo>
-                  <a:lnTo>
-                    <a:pt x="389715" y="1051924"/>
-                  </a:lnTo>
-                  <a:lnTo>
-                    <a:pt x="445388" y="1116546"/>
-                  </a:lnTo>
-                  <a:lnTo>
-                    <a:pt x="501062" y="1181168"/>
-                  </a:lnTo>
-                  <a:lnTo>
-                    <a:pt x="556735" y="1245791"/>
-                  </a:lnTo>
-                  <a:lnTo>
-                    <a:pt x="612409" y="1310413"/>
-                  </a:lnTo>
-                  <a:lnTo>
-                    <a:pt x="668083" y="1375035"/>
-                  </a:lnTo>
-                  <a:lnTo>
-                    <a:pt x="723756" y="1439657"/>
-                  </a:lnTo>
-                  <a:lnTo>
-                    <a:pt x="779430" y="1504280"/>
-                  </a:lnTo>
-                  <a:lnTo>
-                    <a:pt x="835103" y="1568902"/>
-                  </a:lnTo>
-                  <a:lnTo>
-                    <a:pt x="890777" y="1633524"/>
-                  </a:lnTo>
-                  <a:lnTo>
-                    <a:pt x="946451" y="1698146"/>
-                  </a:lnTo>
-                  <a:lnTo>
-                    <a:pt x="1002124" y="1762769"/>
-                  </a:lnTo>
-                  <a:lnTo>
-                    <a:pt x="1057798" y="1827391"/>
-                  </a:lnTo>
-                  <a:lnTo>
-                    <a:pt x="1113471" y="1892013"/>
-                  </a:lnTo>
-                  <a:lnTo>
-                    <a:pt x="1169145" y="1956635"/>
-                  </a:lnTo>
-                  <a:lnTo>
-                    <a:pt x="1224818" y="2021258"/>
-                  </a:lnTo>
-                  <a:lnTo>
-                    <a:pt x="1280492" y="2085880"/>
-                  </a:lnTo>
-                  <a:lnTo>
-                    <a:pt x="1336166" y="2150502"/>
-                  </a:lnTo>
-                  <a:lnTo>
-                    <a:pt x="1391839" y="2215124"/>
-                  </a:lnTo>
-                  <a:lnTo>
-                    <a:pt x="1447513" y="2279747"/>
-                  </a:lnTo>
-                  <a:lnTo>
-                    <a:pt x="1503186" y="2344369"/>
-                  </a:lnTo>
-                  <a:lnTo>
-                    <a:pt x="1558860" y="2408991"/>
+                    <a:pt x="1639066" y="2388316"/>
+                  </a:lnTo>
+                  <a:lnTo>
+                    <a:pt x="1639066" y="2303019"/>
+                  </a:lnTo>
+                  <a:lnTo>
+                    <a:pt x="1639066" y="2217722"/>
+                  </a:lnTo>
+                  <a:lnTo>
+                    <a:pt x="1639066" y="2132425"/>
+                  </a:lnTo>
+                  <a:lnTo>
+                    <a:pt x="1639066" y="2047128"/>
+                  </a:lnTo>
+                  <a:lnTo>
+                    <a:pt x="1639066" y="1961831"/>
+                  </a:lnTo>
+                  <a:lnTo>
+                    <a:pt x="1639066" y="1876534"/>
+                  </a:lnTo>
+                  <a:lnTo>
+                    <a:pt x="1639066" y="1791237"/>
+                  </a:lnTo>
+                  <a:lnTo>
+                    <a:pt x="1639066" y="1705940"/>
+                  </a:lnTo>
+                  <a:lnTo>
+                    <a:pt x="1639066" y="1620643"/>
+                  </a:lnTo>
+                  <a:lnTo>
+                    <a:pt x="1639066" y="1535346"/>
+                  </a:lnTo>
+                  <a:lnTo>
+                    <a:pt x="1639066" y="1450049"/>
+                  </a:lnTo>
+                  <a:lnTo>
+                    <a:pt x="1639066" y="1364752"/>
+                  </a:lnTo>
+                  <a:lnTo>
+                    <a:pt x="1639066" y="1279455"/>
+                  </a:lnTo>
+                  <a:lnTo>
+                    <a:pt x="1639066" y="1194158"/>
+                  </a:lnTo>
+                  <a:lnTo>
+                    <a:pt x="1639066" y="1108861"/>
+                  </a:lnTo>
+                  <a:lnTo>
+                    <a:pt x="1639066" y="1023564"/>
+                  </a:lnTo>
+                  <a:lnTo>
+                    <a:pt x="1639066" y="938267"/>
+                  </a:lnTo>
+                  <a:lnTo>
+                    <a:pt x="1639066" y="852970"/>
+                  </a:lnTo>
+                  <a:lnTo>
+                    <a:pt x="1639066" y="767673"/>
+                  </a:lnTo>
+                  <a:lnTo>
+                    <a:pt x="1639066" y="682376"/>
+                  </a:lnTo>
+                  <a:lnTo>
+                    <a:pt x="1639066" y="597079"/>
+                  </a:lnTo>
+                  <a:lnTo>
+                    <a:pt x="1639066" y="511782"/>
+                  </a:lnTo>
+                  <a:lnTo>
+                    <a:pt x="1639066" y="426485"/>
+                  </a:lnTo>
+                  <a:lnTo>
+                    <a:pt x="1639066" y="341188"/>
+                  </a:lnTo>
+                  <a:lnTo>
+                    <a:pt x="1639066" y="255891"/>
+                  </a:lnTo>
+                  <a:lnTo>
+                    <a:pt x="1639066" y="170594"/>
+                  </a:lnTo>
+                  <a:lnTo>
+                    <a:pt x="1639066" y="85297"/>
+                  </a:lnTo>
+                  <a:lnTo>
+                    <a:pt x="1639066" y="0"/>
+                  </a:lnTo>
+                  <a:lnTo>
+                    <a:pt x="1553765" y="1471"/>
+                  </a:lnTo>
+                  <a:lnTo>
+                    <a:pt x="1468566" y="5883"/>
+                  </a:lnTo>
+                  <a:lnTo>
+                    <a:pt x="1383570" y="13230"/>
+                  </a:lnTo>
+                  <a:lnTo>
+                    <a:pt x="1298877" y="23504"/>
+                  </a:lnTo>
+                  <a:lnTo>
+                    <a:pt x="1214590" y="36692"/>
+                  </a:lnTo>
+                  <a:lnTo>
+                    <a:pt x="1130807" y="52779"/>
+                  </a:lnTo>
+                  <a:lnTo>
+                    <a:pt x="1047629" y="71746"/>
+                  </a:lnTo>
+                  <a:lnTo>
+                    <a:pt x="965154" y="93570"/>
+                  </a:lnTo>
+                  <a:lnTo>
+                    <a:pt x="883481" y="118224"/>
+                  </a:lnTo>
+                  <a:lnTo>
+                    <a:pt x="802706" y="145681"/>
+                  </a:lnTo>
+                  <a:lnTo>
+                    <a:pt x="722927" y="175907"/>
+                  </a:lnTo>
+                  <a:lnTo>
+                    <a:pt x="644237" y="208866"/>
+                  </a:lnTo>
+                  <a:lnTo>
+                    <a:pt x="566731" y="244518"/>
+                  </a:lnTo>
+                  <a:lnTo>
+                    <a:pt x="490500" y="282823"/>
+                  </a:lnTo>
+                  <a:lnTo>
+                    <a:pt x="415636" y="323733"/>
+                  </a:lnTo>
+                  <a:lnTo>
+                    <a:pt x="342227" y="367201"/>
+                  </a:lnTo>
+                  <a:lnTo>
+                    <a:pt x="270360" y="413174"/>
+                  </a:lnTo>
+                  <a:lnTo>
+                    <a:pt x="200121" y="461598"/>
+                  </a:lnTo>
+                  <a:lnTo>
+                    <a:pt x="131594" y="512416"/>
+                  </a:lnTo>
+                  <a:lnTo>
+                    <a:pt x="64861" y="565566"/>
+                  </a:lnTo>
+                  <a:lnTo>
+                    <a:pt x="0" y="620986"/>
+                  </a:lnTo>
+                  <a:lnTo>
+                    <a:pt x="56519" y="684870"/>
+                  </a:lnTo>
+                  <a:lnTo>
+                    <a:pt x="113039" y="748754"/>
+                  </a:lnTo>
+                  <a:lnTo>
+                    <a:pt x="169558" y="812637"/>
+                  </a:lnTo>
+                  <a:lnTo>
+                    <a:pt x="226078" y="876521"/>
+                  </a:lnTo>
+                  <a:lnTo>
+                    <a:pt x="282597" y="940405"/>
+                  </a:lnTo>
+                  <a:lnTo>
+                    <a:pt x="339117" y="1004288"/>
+                  </a:lnTo>
+                  <a:lnTo>
+                    <a:pt x="395636" y="1068172"/>
+                  </a:lnTo>
+                  <a:lnTo>
+                    <a:pt x="452156" y="1132056"/>
+                  </a:lnTo>
+                  <a:lnTo>
+                    <a:pt x="508675" y="1195939"/>
+                  </a:lnTo>
+                  <a:lnTo>
+                    <a:pt x="565195" y="1259823"/>
+                  </a:lnTo>
+                  <a:lnTo>
+                    <a:pt x="621714" y="1323707"/>
+                  </a:lnTo>
+                  <a:lnTo>
+                    <a:pt x="678234" y="1387591"/>
+                  </a:lnTo>
+                  <a:lnTo>
+                    <a:pt x="734753" y="1451474"/>
+                  </a:lnTo>
+                  <a:lnTo>
+                    <a:pt x="791273" y="1515358"/>
+                  </a:lnTo>
+                  <a:lnTo>
+                    <a:pt x="847792" y="1579242"/>
+                  </a:lnTo>
+                  <a:lnTo>
+                    <a:pt x="904312" y="1643125"/>
+                  </a:lnTo>
+                  <a:lnTo>
+                    <a:pt x="960831" y="1707009"/>
+                  </a:lnTo>
+                  <a:lnTo>
+                    <a:pt x="1017351" y="1770893"/>
+                  </a:lnTo>
+                  <a:lnTo>
+                    <a:pt x="1073870" y="1834776"/>
+                  </a:lnTo>
+                  <a:lnTo>
+                    <a:pt x="1130390" y="1898660"/>
+                  </a:lnTo>
+                  <a:lnTo>
+                    <a:pt x="1186909" y="1962544"/>
+                  </a:lnTo>
+                  <a:lnTo>
+                    <a:pt x="1243429" y="2026428"/>
+                  </a:lnTo>
+                  <a:lnTo>
+                    <a:pt x="1299949" y="2090311"/>
+                  </a:lnTo>
+                  <a:lnTo>
+                    <a:pt x="1356468" y="2154195"/>
+                  </a:lnTo>
+                  <a:lnTo>
+                    <a:pt x="1412988" y="2218079"/>
+                  </a:lnTo>
+                  <a:lnTo>
+                    <a:pt x="1469507" y="2281962"/>
+                  </a:lnTo>
+                  <a:lnTo>
+                    <a:pt x="1526027" y="2345846"/>
+                  </a:lnTo>
+                  <a:lnTo>
+                    <a:pt x="1582546" y="2409730"/>
                   </a:lnTo>
                   <a:close/>
                 </a:path>
@@ -4559,18 +4553,18 @@
           </p:nvSpPr>
           <p:spPr>
             <a:xfrm>
-              <a:off x="4060037" y="4824468"/>
-              <a:ext cx="329648" cy="247406"/>
+              <a:off x="3949436" y="4743751"/>
+              <a:ext cx="399726" cy="260133"/>
             </a:xfrm>
             <a:custGeom>
               <a:avLst/>
               <a:pathLst>
-                <a:path w="329648" h="247406">
+                <a:path w="399726" h="260133">
                   <a:moveTo>
-                    <a:pt x="0" y="247406"/>
+                    <a:pt x="0" y="260133"/>
                   </a:moveTo>
                   <a:lnTo>
-                    <a:pt x="329648" y="0"/>
+                    <a:pt x="399726" y="0"/>
                   </a:lnTo>
                 </a:path>
               </a:pathLst>
@@ -4599,18 +4593,18 @@
           </p:nvSpPr>
           <p:spPr>
             <a:xfrm>
-              <a:off x="4061756" y="4584007"/>
-              <a:ext cx="258228" cy="82394"/>
+              <a:off x="4059904" y="4511718"/>
+              <a:ext cx="246061" cy="113342"/>
             </a:xfrm>
             <a:custGeom>
               <a:avLst/>
               <a:pathLst>
-                <a:path w="258228" h="82394">
+                <a:path w="246061" h="113342">
                   <a:moveTo>
                     <a:pt x="0" y="0"/>
                   </a:moveTo>
                   <a:lnTo>
-                    <a:pt x="258228" y="82394"/>
+                    <a:pt x="246061" y="113342"/>
                   </a:lnTo>
                 </a:path>
               </a:pathLst>
@@ -4639,7 +4633,7 @@
           </p:nvSpPr>
           <p:spPr>
             <a:xfrm>
-              <a:off x="6370751" y="3593493"/>
+              <a:off x="6371830" y="3669220"/>
               <a:ext cx="1289638" cy="203471"/>
             </a:xfrm>
             <a:prstGeom prst="rect">
@@ -4685,7 +4679,7 @@
           </p:nvSpPr>
           <p:spPr>
             <a:xfrm>
-              <a:off x="6533359" y="3948574"/>
+              <a:off x="6534437" y="4024301"/>
               <a:ext cx="964423" cy="160596"/>
             </a:xfrm>
             <a:prstGeom prst="rect">
@@ -4718,7 +4712,7 @@
                   <a:latin typeface="Arial"/>
                   <a:cs typeface="Arial"/>
                 </a:rPr>
-                <a:t> 365 / 365</a:t>
+                <a:t> 364 / 364</a:t>
               </a:r>
             </a:p>
           </p:txBody>
@@ -4731,7 +4725,7 @@
           </p:nvSpPr>
           <p:spPr>
             <a:xfrm>
-              <a:off x="4577114" y="5387673"/>
+              <a:off x="4469209" y="5334872"/>
               <a:ext cx="1446105" cy="200930"/>
             </a:xfrm>
             <a:prstGeom prst="rect">
@@ -4777,7 +4771,7 @@
           </p:nvSpPr>
           <p:spPr>
             <a:xfrm>
-              <a:off x="4817955" y="5740320"/>
+              <a:off x="4710050" y="5687518"/>
               <a:ext cx="964423" cy="160490"/>
             </a:xfrm>
             <a:prstGeom prst="rect">
@@ -4810,7 +4804,7 @@
                   <a:latin typeface="Arial"/>
                   <a:cs typeface="Arial"/>
                 </a:rPr>
-                <a:t> 120 / 120</a:t>
+                <a:t> 110 / 110</a:t>
               </a:r>
             </a:p>
           </p:txBody>
@@ -4823,7 +4817,7 @@
           </p:nvSpPr>
           <p:spPr>
             <a:xfrm>
-              <a:off x="4127751" y="4829950"/>
+              <a:off x="4017968" y="4776119"/>
               <a:ext cx="1229507" cy="200824"/>
             </a:xfrm>
             <a:prstGeom prst="rect">
@@ -4869,7 +4863,7 @@
           </p:nvSpPr>
           <p:spPr>
             <a:xfrm>
-              <a:off x="4380873" y="5182490"/>
+              <a:off x="4271089" y="5128660"/>
               <a:ext cx="723264" cy="160490"/>
             </a:xfrm>
             <a:prstGeom prst="rect">
@@ -4915,7 +4909,7 @@
           </p:nvSpPr>
           <p:spPr>
             <a:xfrm>
-              <a:off x="3181688" y="4902381"/>
+              <a:off x="3071087" y="4819165"/>
               <a:ext cx="855489" cy="157737"/>
             </a:xfrm>
             <a:prstGeom prst="rect">
@@ -4961,7 +4955,7 @@
           </p:nvSpPr>
           <p:spPr>
             <a:xfrm>
-              <a:off x="3368379" y="5211834"/>
+              <a:off x="3257778" y="5128619"/>
               <a:ext cx="482105" cy="160490"/>
             </a:xfrm>
             <a:prstGeom prst="rect">
@@ -4994,7 +4988,7 @@
                   <a:latin typeface="Arial"/>
                   <a:cs typeface="Arial"/>
                 </a:rPr>
-                <a:t> 9 / 9</a:t>
+                <a:t> 6 / 6</a:t>
               </a:r>
             </a:p>
           </p:txBody>
@@ -5007,7 +5001,7 @@
           </p:nvSpPr>
           <p:spPr>
             <a:xfrm>
-              <a:off x="2713158" y="4342984"/>
+              <a:off x="2711306" y="4260376"/>
               <a:ext cx="1325738" cy="157737"/>
             </a:xfrm>
             <a:prstGeom prst="rect">
@@ -5053,7 +5047,7 @@
           </p:nvSpPr>
           <p:spPr>
             <a:xfrm>
-              <a:off x="3014394" y="4652438"/>
+              <a:off x="3012543" y="4569830"/>
               <a:ext cx="723264" cy="160490"/>
             </a:xfrm>
             <a:prstGeom prst="rect">
@@ -5086,7 +5080,7 @@
                   <a:latin typeface="Arial"/>
                   <a:cs typeface="Arial"/>
                 </a:rPr>
-                <a:t> 22 / 22</a:t>
+                <a:t> 15 / 15</a:t>
               </a:r>
             </a:p>
           </p:txBody>
@@ -5099,7 +5093,7 @@
           </p:nvSpPr>
           <p:spPr>
             <a:xfrm>
-              <a:off x="4123708" y="3784864"/>
+              <a:off x="4126131" y="3800994"/>
               <a:ext cx="843526" cy="157737"/>
             </a:xfrm>
             <a:prstGeom prst="rect">
@@ -5145,7 +5139,7 @@
           </p:nvSpPr>
           <p:spPr>
             <a:xfrm>
-              <a:off x="4183839" y="4094318"/>
+              <a:off x="4186261" y="4110448"/>
               <a:ext cx="723264" cy="160490"/>
             </a:xfrm>
             <a:prstGeom prst="rect">
@@ -5178,7 +5172,7 @@
                   <a:latin typeface="Arial"/>
                   <a:cs typeface="Arial"/>
                 </a:rPr>
-                <a:t> 49 / 49</a:t>
+                <a:t> 42 / 42</a:t>
               </a:r>
             </a:p>
           </p:txBody>
@@ -5191,7 +5185,7 @@
           </p:nvSpPr>
           <p:spPr>
             <a:xfrm>
-              <a:off x="4077430" y="3059301"/>
+              <a:off x="4062378" y="3086852"/>
               <a:ext cx="1229295" cy="203471"/>
             </a:xfrm>
             <a:prstGeom prst="rect">
@@ -5237,7 +5231,7 @@
           </p:nvSpPr>
           <p:spPr>
             <a:xfrm>
-              <a:off x="4330446" y="3414489"/>
+              <a:off x="4315394" y="3442040"/>
               <a:ext cx="723264" cy="160490"/>
             </a:xfrm>
             <a:prstGeom prst="rect">
@@ -5270,7 +5264,7 @@
                   <a:latin typeface="Arial"/>
                   <a:cs typeface="Arial"/>
                 </a:rPr>
-                <a:t> 87 / 87</a:t>
+                <a:t> 86 / 86</a:t>
               </a:r>
             </a:p>
           </p:txBody>
@@ -5283,7 +5277,7 @@
           </p:nvSpPr>
           <p:spPr>
             <a:xfrm>
-              <a:off x="4873439" y="2533827"/>
+              <a:off x="4865491" y="2536933"/>
               <a:ext cx="952143" cy="157737"/>
             </a:xfrm>
             <a:prstGeom prst="rect">
@@ -5329,8 +5323,8 @@
           </p:nvSpPr>
           <p:spPr>
             <a:xfrm>
-              <a:off x="4927589" y="2843280"/>
-              <a:ext cx="843843" cy="160490"/>
+              <a:off x="4919641" y="2846281"/>
+              <a:ext cx="843843" cy="160596"/>
             </a:xfrm>
             <a:prstGeom prst="rect">
               <a:avLst/>
@@ -5362,7 +5356,7 @@
                   <a:latin typeface="Arial"/>
                   <a:cs typeface="Arial"/>
                 </a:rPr>
-                <a:t> 85 / 142</a:t>
+                <a:t> 83 / 135</a:t>
               </a:r>
             </a:p>
           </p:txBody>

--- a/Images/Figures_PPT/TorPie.pptx
+++ b/Images/Figures_PPT/TorPie.pptx
@@ -4553,18 +4553,18 @@
           </p:nvSpPr>
           <p:spPr>
             <a:xfrm>
-              <a:off x="3949436" y="4743751"/>
-              <a:ext cx="399726" cy="260133"/>
+              <a:off x="3948447" y="4743735"/>
+              <a:ext cx="400705" cy="260010"/>
             </a:xfrm>
             <a:custGeom>
               <a:avLst/>
               <a:pathLst>
-                <a:path w="399726" h="260133">
+                <a:path w="400705" h="260010">
                   <a:moveTo>
-                    <a:pt x="0" y="260133"/>
+                    <a:pt x="0" y="260010"/>
                   </a:moveTo>
                   <a:lnTo>
-                    <a:pt x="399726" y="0"/>
+                    <a:pt x="400705" y="0"/>
                   </a:lnTo>
                 </a:path>
               </a:pathLst>
@@ -4593,18 +4593,18 @@
           </p:nvSpPr>
           <p:spPr>
             <a:xfrm>
-              <a:off x="4059904" y="4511718"/>
-              <a:ext cx="246061" cy="113342"/>
+              <a:off x="4058879" y="4511157"/>
+              <a:ext cx="247089" cy="113899"/>
             </a:xfrm>
             <a:custGeom>
               <a:avLst/>
               <a:pathLst>
-                <a:path w="246061" h="113342">
+                <a:path w="247089" h="113899">
                   <a:moveTo>
                     <a:pt x="0" y="0"/>
                   </a:moveTo>
                   <a:lnTo>
-                    <a:pt x="246061" y="113342"/>
+                    <a:pt x="247089" y="113899"/>
                   </a:lnTo>
                 </a:path>
               </a:pathLst>
@@ -4633,7 +4633,7 @@
           </p:nvSpPr>
           <p:spPr>
             <a:xfrm>
-              <a:off x="6371830" y="3669220"/>
+              <a:off x="5784405" y="4256372"/>
               <a:ext cx="1289638" cy="203471"/>
             </a:xfrm>
             <a:prstGeom prst="rect">
@@ -4679,7 +4679,7 @@
           </p:nvSpPr>
           <p:spPr>
             <a:xfrm>
-              <a:off x="6534437" y="4024301"/>
+              <a:off x="5947012" y="4611454"/>
               <a:ext cx="964423" cy="160596"/>
             </a:xfrm>
             <a:prstGeom prst="rect">
@@ -4725,7 +4725,7 @@
           </p:nvSpPr>
           <p:spPr>
             <a:xfrm>
-              <a:off x="4469209" y="5334872"/>
+              <a:off x="4467494" y="5333493"/>
               <a:ext cx="1446105" cy="200930"/>
             </a:xfrm>
             <a:prstGeom prst="rect">
@@ -4771,7 +4771,7 @@
           </p:nvSpPr>
           <p:spPr>
             <a:xfrm>
-              <a:off x="4710050" y="5687518"/>
+              <a:off x="4708335" y="5686139"/>
               <a:ext cx="964423" cy="160490"/>
             </a:xfrm>
             <a:prstGeom prst="rect">
@@ -4817,7 +4817,7 @@
           </p:nvSpPr>
           <p:spPr>
             <a:xfrm>
-              <a:off x="4017968" y="4776119"/>
+              <a:off x="4016706" y="4774920"/>
               <a:ext cx="1229507" cy="200824"/>
             </a:xfrm>
             <a:prstGeom prst="rect">
@@ -4863,7 +4863,7 @@
           </p:nvSpPr>
           <p:spPr>
             <a:xfrm>
-              <a:off x="4271089" y="5128660"/>
+              <a:off x="4269827" y="5127461"/>
               <a:ext cx="723264" cy="160490"/>
             </a:xfrm>
             <a:prstGeom prst="rect">
@@ -4909,7 +4909,7 @@
           </p:nvSpPr>
           <p:spPr>
             <a:xfrm>
-              <a:off x="3071087" y="4819165"/>
+              <a:off x="3070098" y="4818791"/>
               <a:ext cx="855489" cy="157737"/>
             </a:xfrm>
             <a:prstGeom prst="rect">
@@ -4955,7 +4955,7 @@
           </p:nvSpPr>
           <p:spPr>
             <a:xfrm>
-              <a:off x="3257778" y="5128619"/>
+              <a:off x="3256790" y="5128245"/>
               <a:ext cx="482105" cy="160490"/>
             </a:xfrm>
             <a:prstGeom prst="rect">
@@ -5001,7 +5001,7 @@
           </p:nvSpPr>
           <p:spPr>
             <a:xfrm>
-              <a:off x="2711306" y="4260376"/>
+              <a:off x="2710281" y="4259717"/>
               <a:ext cx="1325738" cy="157737"/>
             </a:xfrm>
             <a:prstGeom prst="rect">
@@ -5047,7 +5047,7 @@
           </p:nvSpPr>
           <p:spPr>
             <a:xfrm>
-              <a:off x="3012543" y="4569830"/>
+              <a:off x="3011517" y="4569171"/>
               <a:ext cx="723264" cy="160490"/>
             </a:xfrm>
             <a:prstGeom prst="rect">
@@ -5093,7 +5093,7 @@
           </p:nvSpPr>
           <p:spPr>
             <a:xfrm>
-              <a:off x="4126131" y="3800994"/>
+              <a:off x="4126682" y="3800552"/>
               <a:ext cx="843526" cy="157737"/>
             </a:xfrm>
             <a:prstGeom prst="rect">
@@ -5139,7 +5139,7 @@
           </p:nvSpPr>
           <p:spPr>
             <a:xfrm>
-              <a:off x="4186261" y="4110448"/>
+              <a:off x="4186813" y="4110006"/>
               <a:ext cx="723264" cy="160490"/>
             </a:xfrm>
             <a:prstGeom prst="rect">
@@ -5185,7 +5185,7 @@
           </p:nvSpPr>
           <p:spPr>
             <a:xfrm>
-              <a:off x="4062378" y="3086852"/>
+              <a:off x="4062593" y="3087105"/>
               <a:ext cx="1229295" cy="203471"/>
             </a:xfrm>
             <a:prstGeom prst="rect">
@@ -5231,7 +5231,7 @@
           </p:nvSpPr>
           <p:spPr>
             <a:xfrm>
-              <a:off x="4315394" y="3442040"/>
+              <a:off x="4315609" y="3442293"/>
               <a:ext cx="723264" cy="160490"/>
             </a:xfrm>
             <a:prstGeom prst="rect">
@@ -5277,7 +5277,7 @@
           </p:nvSpPr>
           <p:spPr>
             <a:xfrm>
-              <a:off x="4865491" y="2536933"/>
+              <a:off x="4865375" y="2537255"/>
               <a:ext cx="952143" cy="157737"/>
             </a:xfrm>
             <a:prstGeom prst="rect">
@@ -5323,7 +5323,7 @@
           </p:nvSpPr>
           <p:spPr>
             <a:xfrm>
-              <a:off x="4919641" y="2846281"/>
+              <a:off x="4919524" y="2846603"/>
               <a:ext cx="843843" cy="160596"/>
             </a:xfrm>
             <a:prstGeom prst="rect">

--- a/Images/Figures_PPT/TorPie.pptx
+++ b/Images/Figures_PPT/TorPie.pptx
@@ -4553,18 +4553,18 @@
           </p:nvSpPr>
           <p:spPr>
             <a:xfrm>
-              <a:off x="3948447" y="4743735"/>
-              <a:ext cx="400705" cy="260010"/>
+              <a:off x="3954234" y="4743802"/>
+              <a:ext cx="394961" cy="259478"/>
             </a:xfrm>
             <a:custGeom>
               <a:avLst/>
               <a:pathLst>
-                <a:path w="400705" h="260010">
+                <a:path w="394961" h="259478">
                   <a:moveTo>
-                    <a:pt x="0" y="260010"/>
+                    <a:pt x="0" y="259478"/>
                   </a:moveTo>
                   <a:lnTo>
-                    <a:pt x="400705" y="0"/>
+                    <a:pt x="394961" y="0"/>
                   </a:lnTo>
                 </a:path>
               </a:pathLst>
@@ -4593,18 +4593,18 @@
           </p:nvSpPr>
           <p:spPr>
             <a:xfrm>
-              <a:off x="4058879" y="4511157"/>
-              <a:ext cx="247089" cy="113899"/>
+              <a:off x="4058558" y="4511803"/>
+              <a:ext cx="247395" cy="113286"/>
             </a:xfrm>
             <a:custGeom>
               <a:avLst/>
               <a:pathLst>
-                <a:path w="247089" h="113899">
+                <a:path w="247395" h="113286">
                   <a:moveTo>
                     <a:pt x="0" y="0"/>
                   </a:moveTo>
                   <a:lnTo>
-                    <a:pt x="247089" y="113899"/>
+                    <a:pt x="247395" y="113286"/>
                   </a:lnTo>
                 </a:path>
               </a:pathLst>
@@ -4633,7 +4633,7 @@
           </p:nvSpPr>
           <p:spPr>
             <a:xfrm>
-              <a:off x="5784405" y="4256372"/>
+              <a:off x="5785580" y="4255267"/>
               <a:ext cx="1289638" cy="203471"/>
             </a:xfrm>
             <a:prstGeom prst="rect">
@@ -4679,7 +4679,7 @@
           </p:nvSpPr>
           <p:spPr>
             <a:xfrm>
-              <a:off x="5947012" y="4611454"/>
+              <a:off x="5948187" y="4610348"/>
               <a:ext cx="964423" cy="160596"/>
             </a:xfrm>
             <a:prstGeom prst="rect">
@@ -4725,7 +4725,7 @@
           </p:nvSpPr>
           <p:spPr>
             <a:xfrm>
-              <a:off x="4467494" y="5333493"/>
+              <a:off x="4470782" y="5336517"/>
               <a:ext cx="1446105" cy="200930"/>
             </a:xfrm>
             <a:prstGeom prst="rect">
@@ -4771,7 +4771,7 @@
           </p:nvSpPr>
           <p:spPr>
             <a:xfrm>
-              <a:off x="4708335" y="5686139"/>
+              <a:off x="4711623" y="5689164"/>
               <a:ext cx="964423" cy="160490"/>
             </a:xfrm>
             <a:prstGeom prst="rect">
@@ -4817,7 +4817,7 @@
           </p:nvSpPr>
           <p:spPr>
             <a:xfrm>
-              <a:off x="4016706" y="4774920"/>
+              <a:off x="4019671" y="4777014"/>
               <a:ext cx="1229507" cy="200824"/>
             </a:xfrm>
             <a:prstGeom prst="rect">
@@ -4863,7 +4863,7 @@
           </p:nvSpPr>
           <p:spPr>
             <a:xfrm>
-              <a:off x="4269827" y="5127461"/>
+              <a:off x="4272793" y="5129555"/>
               <a:ext cx="723264" cy="160490"/>
             </a:xfrm>
             <a:prstGeom prst="rect">
@@ -4909,7 +4909,7 @@
           </p:nvSpPr>
           <p:spPr>
             <a:xfrm>
-              <a:off x="3070098" y="4818791"/>
+              <a:off x="3075885" y="4819465"/>
               <a:ext cx="855489" cy="157737"/>
             </a:xfrm>
             <a:prstGeom prst="rect">
@@ -4955,7 +4955,7 @@
           </p:nvSpPr>
           <p:spPr>
             <a:xfrm>
-              <a:off x="3256790" y="5128245"/>
+              <a:off x="3262576" y="5128919"/>
               <a:ext cx="482105" cy="160490"/>
             </a:xfrm>
             <a:prstGeom prst="rect">
@@ -5001,7 +5001,7 @@
           </p:nvSpPr>
           <p:spPr>
             <a:xfrm>
-              <a:off x="2710281" y="4259717"/>
+              <a:off x="2709960" y="4260683"/>
               <a:ext cx="1325738" cy="157737"/>
             </a:xfrm>
             <a:prstGeom prst="rect">
@@ -5047,7 +5047,7 @@
           </p:nvSpPr>
           <p:spPr>
             <a:xfrm>
-              <a:off x="3011517" y="4569171"/>
+              <a:off x="3011197" y="4570137"/>
               <a:ext cx="723264" cy="160490"/>
             </a:xfrm>
             <a:prstGeom prst="rect">
@@ -5093,7 +5093,7 @@
           </p:nvSpPr>
           <p:spPr>
             <a:xfrm>
-              <a:off x="4126682" y="3800552"/>
+              <a:off x="4127124" y="3800431"/>
               <a:ext cx="843526" cy="157737"/>
             </a:xfrm>
             <a:prstGeom prst="rect">
@@ -5139,7 +5139,7 @@
           </p:nvSpPr>
           <p:spPr>
             <a:xfrm>
-              <a:off x="4186813" y="4110006"/>
+              <a:off x="4187255" y="4109885"/>
               <a:ext cx="723264" cy="160490"/>
             </a:xfrm>
             <a:prstGeom prst="rect">
@@ -5185,7 +5185,7 @@
           </p:nvSpPr>
           <p:spPr>
             <a:xfrm>
-              <a:off x="4062593" y="3087105"/>
+              <a:off x="4062309" y="3086878"/>
               <a:ext cx="1229295" cy="203471"/>
             </a:xfrm>
             <a:prstGeom prst="rect">
@@ -5231,7 +5231,7 @@
           </p:nvSpPr>
           <p:spPr>
             <a:xfrm>
-              <a:off x="4315609" y="3442293"/>
+              <a:off x="4315324" y="3442066"/>
               <a:ext cx="723264" cy="160490"/>
             </a:xfrm>
             <a:prstGeom prst="rect">
@@ -5277,7 +5277,7 @@
           </p:nvSpPr>
           <p:spPr>
             <a:xfrm>
-              <a:off x="4865375" y="2537255"/>
+              <a:off x="4865160" y="2537141"/>
               <a:ext cx="952143" cy="157737"/>
             </a:xfrm>
             <a:prstGeom prst="rect">
@@ -5323,7 +5323,7 @@
           </p:nvSpPr>
           <p:spPr>
             <a:xfrm>
-              <a:off x="4919524" y="2846603"/>
+              <a:off x="4919309" y="2846489"/>
               <a:ext cx="843843" cy="160596"/>
             </a:xfrm>
             <a:prstGeom prst="rect">

--- a/Images/Figures_PPT/TorPie.pptx
+++ b/Images/Figures_PPT/TorPie.pptx
@@ -4553,18 +4553,18 @@
           </p:nvSpPr>
           <p:spPr>
             <a:xfrm>
-              <a:off x="3954234" y="4743802"/>
-              <a:ext cx="394961" cy="259478"/>
+              <a:off x="3951839" y="4743829"/>
+              <a:ext cx="397374" cy="262355"/>
             </a:xfrm>
             <a:custGeom>
               <a:avLst/>
               <a:pathLst>
-                <a:path w="394961" h="259478">
+                <a:path w="397374" h="262355">
                   <a:moveTo>
-                    <a:pt x="0" y="259478"/>
+                    <a:pt x="0" y="262355"/>
                   </a:moveTo>
                   <a:lnTo>
-                    <a:pt x="394961" y="0"/>
+                    <a:pt x="397374" y="0"/>
                   </a:lnTo>
                 </a:path>
               </a:pathLst>
@@ -4593,18 +4593,18 @@
           </p:nvSpPr>
           <p:spPr>
             <a:xfrm>
-              <a:off x="4058558" y="4511803"/>
-              <a:ext cx="247395" cy="113286"/>
+              <a:off x="4057705" y="4513517"/>
+              <a:ext cx="248209" cy="111657"/>
             </a:xfrm>
             <a:custGeom>
               <a:avLst/>
               <a:pathLst>
-                <a:path w="247395" h="113286">
+                <a:path w="248209" h="111657">
                   <a:moveTo>
                     <a:pt x="0" y="0"/>
                   </a:moveTo>
                   <a:lnTo>
-                    <a:pt x="247395" y="113286"/>
+                    <a:pt x="248209" y="111657"/>
                   </a:lnTo>
                 </a:path>
               </a:pathLst>
@@ -4633,7 +4633,7 @@
           </p:nvSpPr>
           <p:spPr>
             <a:xfrm>
-              <a:off x="5785580" y="4255267"/>
+              <a:off x="5784239" y="4256697"/>
               <a:ext cx="1289638" cy="203471"/>
             </a:xfrm>
             <a:prstGeom prst="rect">
@@ -4679,7 +4679,7 @@
           </p:nvSpPr>
           <p:spPr>
             <a:xfrm>
-              <a:off x="5948187" y="4610348"/>
+              <a:off x="5946846" y="4611778"/>
               <a:ext cx="964423" cy="160596"/>
             </a:xfrm>
             <a:prstGeom prst="rect">
@@ -4725,7 +4725,7 @@
           </p:nvSpPr>
           <p:spPr>
             <a:xfrm>
-              <a:off x="4470782" y="5336517"/>
+              <a:off x="4470268" y="5336307"/>
               <a:ext cx="1446105" cy="200930"/>
             </a:xfrm>
             <a:prstGeom prst="rect">
@@ -4771,7 +4771,7 @@
           </p:nvSpPr>
           <p:spPr>
             <a:xfrm>
-              <a:off x="4711623" y="5689164"/>
+              <a:off x="4711110" y="5688954"/>
               <a:ext cx="964423" cy="160490"/>
             </a:xfrm>
             <a:prstGeom prst="rect">
@@ -4817,7 +4817,7 @@
           </p:nvSpPr>
           <p:spPr>
             <a:xfrm>
-              <a:off x="4019671" y="4777014"/>
+              <a:off x="4019736" y="4777977"/>
               <a:ext cx="1229507" cy="200824"/>
             </a:xfrm>
             <a:prstGeom prst="rect">
@@ -4863,7 +4863,7 @@
           </p:nvSpPr>
           <p:spPr>
             <a:xfrm>
-              <a:off x="4272793" y="5129555"/>
+              <a:off x="4272858" y="5130517"/>
               <a:ext cx="723264" cy="160490"/>
             </a:xfrm>
             <a:prstGeom prst="rect">
@@ -4909,7 +4909,7 @@
           </p:nvSpPr>
           <p:spPr>
             <a:xfrm>
-              <a:off x="3075885" y="4819465"/>
+              <a:off x="3073490" y="4822432"/>
               <a:ext cx="855489" cy="157737"/>
             </a:xfrm>
             <a:prstGeom prst="rect">
@@ -4955,7 +4955,7 @@
           </p:nvSpPr>
           <p:spPr>
             <a:xfrm>
-              <a:off x="3262576" y="5128919"/>
+              <a:off x="3260181" y="5131886"/>
               <a:ext cx="482105" cy="160490"/>
             </a:xfrm>
             <a:prstGeom prst="rect">
@@ -5001,7 +5001,7 @@
           </p:nvSpPr>
           <p:spPr>
             <a:xfrm>
-              <a:off x="2709960" y="4260683"/>
+              <a:off x="2709107" y="4263219"/>
               <a:ext cx="1325738" cy="157737"/>
             </a:xfrm>
             <a:prstGeom prst="rect">
@@ -5047,7 +5047,7 @@
           </p:nvSpPr>
           <p:spPr>
             <a:xfrm>
-              <a:off x="3011197" y="4570137"/>
+              <a:off x="3010343" y="4572673"/>
               <a:ext cx="723264" cy="160490"/>
             </a:xfrm>
             <a:prstGeom prst="rect">
@@ -5093,7 +5093,7 @@
           </p:nvSpPr>
           <p:spPr>
             <a:xfrm>
-              <a:off x="4127124" y="3800431"/>
+              <a:off x="4125692" y="3801837"/>
               <a:ext cx="843526" cy="157737"/>
             </a:xfrm>
             <a:prstGeom prst="rect">
@@ -5139,7 +5139,7 @@
           </p:nvSpPr>
           <p:spPr>
             <a:xfrm>
-              <a:off x="4187255" y="4109885"/>
+              <a:off x="4185822" y="4111291"/>
               <a:ext cx="723264" cy="160490"/>
             </a:xfrm>
             <a:prstGeom prst="rect">
@@ -5185,7 +5185,7 @@
           </p:nvSpPr>
           <p:spPr>
             <a:xfrm>
-              <a:off x="4062309" y="3086878"/>
+              <a:off x="4062464" y="3087178"/>
               <a:ext cx="1229295" cy="203471"/>
             </a:xfrm>
             <a:prstGeom prst="rect">
@@ -5231,7 +5231,7 @@
           </p:nvSpPr>
           <p:spPr>
             <a:xfrm>
-              <a:off x="4315324" y="3442066"/>
+              <a:off x="4315479" y="3442365"/>
               <a:ext cx="723264" cy="160490"/>
             </a:xfrm>
             <a:prstGeom prst="rect">
@@ -5277,7 +5277,7 @@
           </p:nvSpPr>
           <p:spPr>
             <a:xfrm>
-              <a:off x="4865160" y="2537141"/>
+              <a:off x="4865221" y="2537298"/>
               <a:ext cx="952143" cy="157737"/>
             </a:xfrm>
             <a:prstGeom prst="rect">
@@ -5323,7 +5323,7 @@
           </p:nvSpPr>
           <p:spPr>
             <a:xfrm>
-              <a:off x="4919309" y="2846489"/>
+              <a:off x="4919371" y="2846646"/>
               <a:ext cx="843843" cy="160596"/>
             </a:xfrm>
             <a:prstGeom prst="rect">

--- a/Images/Figures_PPT/TorPie.pptx
+++ b/Images/Figures_PPT/TorPie.pptx
@@ -4553,18 +4553,18 @@
           </p:nvSpPr>
           <p:spPr>
             <a:xfrm>
-              <a:off x="3951839" y="4743829"/>
-              <a:ext cx="397374" cy="262355"/>
+              <a:off x="3951349" y="4743797"/>
+              <a:ext cx="397842" cy="261113"/>
             </a:xfrm>
             <a:custGeom>
               <a:avLst/>
               <a:pathLst>
-                <a:path w="397374" h="262355">
+                <a:path w="397842" h="261113">
                   <a:moveTo>
-                    <a:pt x="0" y="262355"/>
+                    <a:pt x="0" y="261113"/>
                   </a:moveTo>
                   <a:lnTo>
-                    <a:pt x="397374" y="0"/>
+                    <a:pt x="397842" y="0"/>
                   </a:lnTo>
                 </a:path>
               </a:pathLst>
@@ -4593,18 +4593,18 @@
           </p:nvSpPr>
           <p:spPr>
             <a:xfrm>
-              <a:off x="4057705" y="4513517"/>
-              <a:ext cx="248209" cy="111657"/>
+              <a:off x="4060560" y="4512609"/>
+              <a:ext cx="245395" cy="112475"/>
             </a:xfrm>
             <a:custGeom>
               <a:avLst/>
               <a:pathLst>
-                <a:path w="248209" h="111657">
+                <a:path w="245395" h="112475">
                   <a:moveTo>
                     <a:pt x="0" y="0"/>
                   </a:moveTo>
                   <a:lnTo>
-                    <a:pt x="248209" y="111657"/>
+                    <a:pt x="245395" y="112475"/>
                   </a:lnTo>
                 </a:path>
               </a:pathLst>
@@ -4633,7 +4633,7 @@
           </p:nvSpPr>
           <p:spPr>
             <a:xfrm>
-              <a:off x="5784239" y="4256697"/>
+              <a:off x="5785623" y="4255278"/>
               <a:ext cx="1289638" cy="203471"/>
             </a:xfrm>
             <a:prstGeom prst="rect">
@@ -4679,7 +4679,7 @@
           </p:nvSpPr>
           <p:spPr>
             <a:xfrm>
-              <a:off x="5946846" y="4611778"/>
+              <a:off x="5948230" y="4610359"/>
               <a:ext cx="964423" cy="160596"/>
             </a:xfrm>
             <a:prstGeom prst="rect">
@@ -4725,7 +4725,7 @@
           </p:nvSpPr>
           <p:spPr>
             <a:xfrm>
-              <a:off x="4470268" y="5336307"/>
+              <a:off x="4470357" y="5336502"/>
               <a:ext cx="1446105" cy="200930"/>
             </a:xfrm>
             <a:prstGeom prst="rect">
@@ -4771,7 +4771,7 @@
           </p:nvSpPr>
           <p:spPr>
             <a:xfrm>
-              <a:off x="4711110" y="5688954"/>
+              <a:off x="4711198" y="5689149"/>
               <a:ext cx="964423" cy="160490"/>
             </a:xfrm>
             <a:prstGeom prst="rect">
@@ -4817,7 +4817,7 @@
           </p:nvSpPr>
           <p:spPr>
             <a:xfrm>
-              <a:off x="4019736" y="4777977"/>
+              <a:off x="4019629" y="4777130"/>
               <a:ext cx="1229507" cy="200824"/>
             </a:xfrm>
             <a:prstGeom prst="rect">
@@ -4863,7 +4863,7 @@
           </p:nvSpPr>
           <p:spPr>
             <a:xfrm>
-              <a:off x="4272858" y="5130517"/>
+              <a:off x="4272751" y="5129670"/>
               <a:ext cx="723264" cy="160490"/>
             </a:xfrm>
             <a:prstGeom prst="rect">
@@ -4909,7 +4909,7 @@
           </p:nvSpPr>
           <p:spPr>
             <a:xfrm>
-              <a:off x="3073490" y="4822432"/>
+              <a:off x="3073000" y="4820802"/>
               <a:ext cx="855489" cy="157737"/>
             </a:xfrm>
             <a:prstGeom prst="rect">
@@ -4955,7 +4955,7 @@
           </p:nvSpPr>
           <p:spPr>
             <a:xfrm>
-              <a:off x="3260181" y="5131886"/>
+              <a:off x="3259692" y="5130256"/>
               <a:ext cx="482105" cy="160490"/>
             </a:xfrm>
             <a:prstGeom prst="rect">
@@ -5001,7 +5001,7 @@
           </p:nvSpPr>
           <p:spPr>
             <a:xfrm>
-              <a:off x="2709107" y="4263219"/>
+              <a:off x="2711962" y="4261557"/>
               <a:ext cx="1325738" cy="157737"/>
             </a:xfrm>
             <a:prstGeom prst="rect">
@@ -5047,7 +5047,7 @@
           </p:nvSpPr>
           <p:spPr>
             <a:xfrm>
-              <a:off x="3010343" y="4572673"/>
+              <a:off x="3013199" y="4571011"/>
               <a:ext cx="723264" cy="160490"/>
             </a:xfrm>
             <a:prstGeom prst="rect">
@@ -5093,7 +5093,7 @@
           </p:nvSpPr>
           <p:spPr>
             <a:xfrm>
-              <a:off x="4125692" y="3801837"/>
+              <a:off x="4126654" y="3800599"/>
               <a:ext cx="843526" cy="157737"/>
             </a:xfrm>
             <a:prstGeom prst="rect">
@@ -5139,7 +5139,7 @@
           </p:nvSpPr>
           <p:spPr>
             <a:xfrm>
-              <a:off x="4185822" y="4111291"/>
+              <a:off x="4186785" y="4110053"/>
               <a:ext cx="723264" cy="160490"/>
             </a:xfrm>
             <a:prstGeom prst="rect">
@@ -5185,7 +5185,7 @@
           </p:nvSpPr>
           <p:spPr>
             <a:xfrm>
-              <a:off x="4062464" y="3087178"/>
+              <a:off x="4062611" y="3087089"/>
               <a:ext cx="1229295" cy="203471"/>
             </a:xfrm>
             <a:prstGeom prst="rect">
@@ -5231,7 +5231,7 @@
           </p:nvSpPr>
           <p:spPr>
             <a:xfrm>
-              <a:off x="4315479" y="3442365"/>
+              <a:off x="4315626" y="3442276"/>
               <a:ext cx="723264" cy="160490"/>
             </a:xfrm>
             <a:prstGeom prst="rect">
@@ -5277,7 +5277,7 @@
           </p:nvSpPr>
           <p:spPr>
             <a:xfrm>
-              <a:off x="4865221" y="2537298"/>
+              <a:off x="4865258" y="2537254"/>
               <a:ext cx="952143" cy="157737"/>
             </a:xfrm>
             <a:prstGeom prst="rect">
@@ -5323,7 +5323,7 @@
           </p:nvSpPr>
           <p:spPr>
             <a:xfrm>
-              <a:off x="4919371" y="2846646"/>
+              <a:off x="4919407" y="2846603"/>
               <a:ext cx="843843" cy="160596"/>
             </a:xfrm>
             <a:prstGeom prst="rect">
